--- a/docs/methodology/plots/top_level_view.pptx
+++ b/docs/methodology/plots/top_level_view.pptx
@@ -104,6 +104,11 @@
       </a:defRPr>
     </a:lvl9pPr>
   </p:defaultTextStyle>
+  <p:extLst>
+    <p:ext uri="{EFAFB233-063F-42B5-8137-9DF3F51BA10A}">
+      <p15:sldGuideLst xmlns:p15="http://schemas.microsoft.com/office/powerpoint/2012/main"/>
+    </p:ext>
+  </p:extLst>
 </p:presentation>
 </file>
 
@@ -256,7 +261,7 @@
           <a:p>
             <a:fld id="{7CFC6544-A9AE-4A12-916D-21615692FB1B}" type="datetimeFigureOut">
               <a:rPr lang="en-GB" smtClean="0"/>
-              <a:t>14/09/2021</a:t>
+              <a:t>11/10/2021</a:t>
             </a:fld>
             <a:endParaRPr lang="en-GB"/>
           </a:p>
@@ -456,7 +461,7 @@
           <a:p>
             <a:fld id="{7CFC6544-A9AE-4A12-916D-21615692FB1B}" type="datetimeFigureOut">
               <a:rPr lang="en-GB" smtClean="0"/>
-              <a:t>14/09/2021</a:t>
+              <a:t>11/10/2021</a:t>
             </a:fld>
             <a:endParaRPr lang="en-GB"/>
           </a:p>
@@ -666,7 +671,7 @@
           <a:p>
             <a:fld id="{7CFC6544-A9AE-4A12-916D-21615692FB1B}" type="datetimeFigureOut">
               <a:rPr lang="en-GB" smtClean="0"/>
-              <a:t>14/09/2021</a:t>
+              <a:t>11/10/2021</a:t>
             </a:fld>
             <a:endParaRPr lang="en-GB"/>
           </a:p>
@@ -866,7 +871,7 @@
           <a:p>
             <a:fld id="{7CFC6544-A9AE-4A12-916D-21615692FB1B}" type="datetimeFigureOut">
               <a:rPr lang="en-GB" smtClean="0"/>
-              <a:t>14/09/2021</a:t>
+              <a:t>11/10/2021</a:t>
             </a:fld>
             <a:endParaRPr lang="en-GB"/>
           </a:p>
@@ -1142,7 +1147,7 @@
           <a:p>
             <a:fld id="{7CFC6544-A9AE-4A12-916D-21615692FB1B}" type="datetimeFigureOut">
               <a:rPr lang="en-GB" smtClean="0"/>
-              <a:t>14/09/2021</a:t>
+              <a:t>11/10/2021</a:t>
             </a:fld>
             <a:endParaRPr lang="en-GB"/>
           </a:p>
@@ -1410,7 +1415,7 @@
           <a:p>
             <a:fld id="{7CFC6544-A9AE-4A12-916D-21615692FB1B}" type="datetimeFigureOut">
               <a:rPr lang="en-GB" smtClean="0"/>
-              <a:t>14/09/2021</a:t>
+              <a:t>11/10/2021</a:t>
             </a:fld>
             <a:endParaRPr lang="en-GB"/>
           </a:p>
@@ -1825,7 +1830,7 @@
           <a:p>
             <a:fld id="{7CFC6544-A9AE-4A12-916D-21615692FB1B}" type="datetimeFigureOut">
               <a:rPr lang="en-GB" smtClean="0"/>
-              <a:t>14/09/2021</a:t>
+              <a:t>11/10/2021</a:t>
             </a:fld>
             <a:endParaRPr lang="en-GB"/>
           </a:p>
@@ -1967,7 +1972,7 @@
           <a:p>
             <a:fld id="{7CFC6544-A9AE-4A12-916D-21615692FB1B}" type="datetimeFigureOut">
               <a:rPr lang="en-GB" smtClean="0"/>
-              <a:t>14/09/2021</a:t>
+              <a:t>11/10/2021</a:t>
             </a:fld>
             <a:endParaRPr lang="en-GB"/>
           </a:p>
@@ -2080,7 +2085,7 @@
           <a:p>
             <a:fld id="{7CFC6544-A9AE-4A12-916D-21615692FB1B}" type="datetimeFigureOut">
               <a:rPr lang="en-GB" smtClean="0"/>
-              <a:t>14/09/2021</a:t>
+              <a:t>11/10/2021</a:t>
             </a:fld>
             <a:endParaRPr lang="en-GB"/>
           </a:p>
@@ -2393,7 +2398,7 @@
           <a:p>
             <a:fld id="{7CFC6544-A9AE-4A12-916D-21615692FB1B}" type="datetimeFigureOut">
               <a:rPr lang="en-GB" smtClean="0"/>
-              <a:t>14/09/2021</a:t>
+              <a:t>11/10/2021</a:t>
             </a:fld>
             <a:endParaRPr lang="en-GB"/>
           </a:p>
@@ -2682,7 +2687,7 @@
           <a:p>
             <a:fld id="{7CFC6544-A9AE-4A12-916D-21615692FB1B}" type="datetimeFigureOut">
               <a:rPr lang="en-GB" smtClean="0"/>
-              <a:t>14/09/2021</a:t>
+              <a:t>11/10/2021</a:t>
             </a:fld>
             <a:endParaRPr lang="en-GB"/>
           </a:p>
@@ -2925,7 +2930,7 @@
           <a:p>
             <a:fld id="{7CFC6544-A9AE-4A12-916D-21615692FB1B}" type="datetimeFigureOut">
               <a:rPr lang="en-GB" smtClean="0"/>
-              <a:t>14/09/2021</a:t>
+              <a:t>11/10/2021</a:t>
             </a:fld>
             <a:endParaRPr lang="en-GB"/>
           </a:p>
@@ -3344,6 +3349,151 @@
       </p:grpSpPr>
       <p:sp>
         <p:nvSpPr>
+          <p:cNvPr id="6" name="Rectangle 5">
+            <a:extLst>
+              <a:ext uri="{FF2B5EF4-FFF2-40B4-BE49-F238E27FC236}">
+                <a16:creationId xmlns:a16="http://schemas.microsoft.com/office/drawing/2014/main" id="{A14839DA-F8F9-46DD-A9ED-C6014898024B}"/>
+              </a:ext>
+            </a:extLst>
+          </p:cNvPr>
+          <p:cNvSpPr/>
+          <p:nvPr/>
+        </p:nvSpPr>
+        <p:spPr>
+          <a:xfrm>
+            <a:off x="10189027" y="309716"/>
+            <a:ext cx="1588606" cy="4094940"/>
+          </a:xfrm>
+          <a:prstGeom prst="rect">
+            <a:avLst/>
+          </a:prstGeom>
+          <a:solidFill>
+            <a:schemeClr val="bg2"/>
+          </a:solidFill>
+          <a:ln>
+            <a:noFill/>
+          </a:ln>
+        </p:spPr>
+        <p:style>
+          <a:lnRef idx="2">
+            <a:schemeClr val="accent1">
+              <a:shade val="50000"/>
+            </a:schemeClr>
+          </a:lnRef>
+          <a:fillRef idx="1">
+            <a:schemeClr val="accent1"/>
+          </a:fillRef>
+          <a:effectRef idx="0">
+            <a:schemeClr val="accent1"/>
+          </a:effectRef>
+          <a:fontRef idx="minor">
+            <a:schemeClr val="lt1"/>
+          </a:fontRef>
+        </p:style>
+        <p:txBody>
+          <a:bodyPr rtlCol="0" anchor="ctr"/>
+          <a:lstStyle/>
+          <a:p>
+            <a:pPr algn="ctr"/>
+            <a:endParaRPr lang="en-GB"/>
+          </a:p>
+        </p:txBody>
+      </p:sp>
+      <p:cxnSp>
+        <p:nvCxnSpPr>
+          <p:cNvPr id="3" name="Straight Connector 2">
+            <a:extLst>
+              <a:ext uri="{FF2B5EF4-FFF2-40B4-BE49-F238E27FC236}">
+                <a16:creationId xmlns:a16="http://schemas.microsoft.com/office/drawing/2014/main" id="{0F6DC32A-BB72-4C1D-9CDC-EFB243EFF2F0}"/>
+              </a:ext>
+            </a:extLst>
+          </p:cNvPr>
+          <p:cNvCxnSpPr>
+            <a:cxnSpLocks/>
+          </p:cNvCxnSpPr>
+          <p:nvPr/>
+        </p:nvCxnSpPr>
+        <p:spPr>
+          <a:xfrm>
+            <a:off x="10133637" y="309716"/>
+            <a:ext cx="5592" cy="4094940"/>
+          </a:xfrm>
+          <a:prstGeom prst="line">
+            <a:avLst/>
+          </a:prstGeom>
+          <a:ln w="15875">
+            <a:prstDash val="lgDash"/>
+          </a:ln>
+        </p:spPr>
+        <p:style>
+          <a:lnRef idx="1">
+            <a:schemeClr val="accent1"/>
+          </a:lnRef>
+          <a:fillRef idx="0">
+            <a:schemeClr val="accent1"/>
+          </a:fillRef>
+          <a:effectRef idx="0">
+            <a:schemeClr val="accent1"/>
+          </a:effectRef>
+          <a:fontRef idx="minor">
+            <a:schemeClr val="tx1"/>
+          </a:fontRef>
+        </p:style>
+      </p:cxnSp>
+      <p:sp>
+        <p:nvSpPr>
+          <p:cNvPr id="4" name="Rectangle 3">
+            <a:extLst>
+              <a:ext uri="{FF2B5EF4-FFF2-40B4-BE49-F238E27FC236}">
+                <a16:creationId xmlns:a16="http://schemas.microsoft.com/office/drawing/2014/main" id="{5CE81325-F2F8-4F11-9717-1CA68A7FCC1A}"/>
+              </a:ext>
+            </a:extLst>
+          </p:cNvPr>
+          <p:cNvSpPr/>
+          <p:nvPr/>
+        </p:nvSpPr>
+        <p:spPr>
+          <a:xfrm>
+            <a:off x="9824041" y="1370302"/>
+            <a:ext cx="876144" cy="362047"/>
+          </a:xfrm>
+          <a:prstGeom prst="rect">
+            <a:avLst/>
+          </a:prstGeom>
+          <a:solidFill>
+            <a:schemeClr val="bg1"/>
+          </a:solidFill>
+          <a:ln>
+            <a:noFill/>
+          </a:ln>
+        </p:spPr>
+        <p:style>
+          <a:lnRef idx="2">
+            <a:schemeClr val="accent1">
+              <a:shade val="50000"/>
+            </a:schemeClr>
+          </a:lnRef>
+          <a:fillRef idx="1">
+            <a:schemeClr val="accent1"/>
+          </a:fillRef>
+          <a:effectRef idx="0">
+            <a:schemeClr val="accent1"/>
+          </a:effectRef>
+          <a:fontRef idx="minor">
+            <a:schemeClr val="lt1"/>
+          </a:fontRef>
+        </p:style>
+        <p:txBody>
+          <a:bodyPr rtlCol="0" anchor="ctr"/>
+          <a:lstStyle/>
+          <a:p>
+            <a:pPr algn="ctr"/>
+            <a:endParaRPr lang="en-GB"/>
+          </a:p>
+        </p:txBody>
+      </p:sp>
+      <p:sp>
+        <p:nvSpPr>
           <p:cNvPr id="97" name="TextBox 96">
             <a:extLst>
               <a:ext uri="{FF2B5EF4-FFF2-40B4-BE49-F238E27FC236}">
@@ -3356,7 +3506,7 @@
         </p:nvSpPr>
         <p:spPr>
           <a:xfrm>
-            <a:off x="11270043" y="2518185"/>
+            <a:off x="11421394" y="2504359"/>
             <a:ext cx="996171" cy="461665"/>
           </a:xfrm>
           <a:prstGeom prst="rect">
@@ -3390,12 +3540,61 @@
           </a:p>
         </p:txBody>
       </p:sp>
+      <p:sp>
+        <p:nvSpPr>
+          <p:cNvPr id="5" name="Flowchart: Multidocument 4">
+            <a:extLst>
+              <a:ext uri="{FF2B5EF4-FFF2-40B4-BE49-F238E27FC236}">
+                <a16:creationId xmlns:a16="http://schemas.microsoft.com/office/drawing/2014/main" id="{D6F6B431-FC54-4874-AA34-80527BE2700A}"/>
+              </a:ext>
+            </a:extLst>
+          </p:cNvPr>
+          <p:cNvSpPr/>
+          <p:nvPr/>
+        </p:nvSpPr>
+        <p:spPr>
+          <a:xfrm flipH="1">
+            <a:off x="6580084" y="2556760"/>
+            <a:ext cx="1513168" cy="1028895"/>
+          </a:xfrm>
+          <a:prstGeom prst="flowChartMultidocument">
+            <a:avLst/>
+          </a:prstGeom>
+        </p:spPr>
+        <p:style>
+          <a:lnRef idx="2">
+            <a:schemeClr val="accent6">
+              <a:shade val="50000"/>
+            </a:schemeClr>
+          </a:lnRef>
+          <a:fillRef idx="1">
+            <a:schemeClr val="accent6"/>
+          </a:fillRef>
+          <a:effectRef idx="0">
+            <a:schemeClr val="accent6"/>
+          </a:effectRef>
+          <a:fontRef idx="minor">
+            <a:schemeClr val="lt1"/>
+          </a:fontRef>
+        </p:style>
+        <p:txBody>
+          <a:bodyPr rtlCol="0" anchor="ctr"/>
+          <a:lstStyle/>
+          <a:p>
+            <a:pPr algn="ctr"/>
+            <a:r>
+              <a:rPr lang="en-GB" sz="1600" dirty="0"/>
+              <a:t>Vulnerability distributions</a:t>
+            </a:r>
+          </a:p>
+        </p:txBody>
+      </p:sp>
       <p:grpSp>
         <p:nvGrpSpPr>
-          <p:cNvPr id="113" name="Group 112">
-            <a:extLst>
-              <a:ext uri="{FF2B5EF4-FFF2-40B4-BE49-F238E27FC236}">
-                <a16:creationId xmlns:a16="http://schemas.microsoft.com/office/drawing/2014/main" id="{538C25E1-96B5-40A4-B82B-046716BBFA16}"/>
+          <p:cNvPr id="21" name="Group 20">
+            <a:extLst>
+              <a:ext uri="{FF2B5EF4-FFF2-40B4-BE49-F238E27FC236}">
+                <a16:creationId xmlns:a16="http://schemas.microsoft.com/office/drawing/2014/main" id="{91249001-E616-4966-9ECA-1D0A51CBA2EA}"/>
               </a:ext>
             </a:extLst>
           </p:cNvPr>
@@ -3404,18 +3603,18 @@
         </p:nvGrpSpPr>
         <p:grpSpPr>
           <a:xfrm>
-            <a:off x="95340" y="531459"/>
-            <a:ext cx="11916386" cy="3637832"/>
-            <a:chOff x="95340" y="531459"/>
-            <a:chExt cx="11916386" cy="3637832"/>
+            <a:off x="4380722" y="2472046"/>
+            <a:ext cx="1616060" cy="1028895"/>
+            <a:chOff x="3687769" y="3917530"/>
+            <a:chExt cx="1616060" cy="1028895"/>
           </a:xfrm>
         </p:grpSpPr>
         <p:sp>
           <p:nvSpPr>
-            <p:cNvPr id="5" name="Flowchart: Multidocument 4">
+            <p:cNvPr id="14" name="Flowchart: Alternate Process 13">
               <a:extLst>
                 <a:ext uri="{FF2B5EF4-FFF2-40B4-BE49-F238E27FC236}">
-                  <a16:creationId xmlns:a16="http://schemas.microsoft.com/office/drawing/2014/main" id="{D6F6B431-FC54-4874-AA34-80527BE2700A}"/>
+                  <a16:creationId xmlns:a16="http://schemas.microsoft.com/office/drawing/2014/main" id="{293F3B63-DD54-47CA-A040-27826977E94A}"/>
                 </a:ext>
               </a:extLst>
             </p:cNvPr>
@@ -3423,11 +3622,11 @@
             <p:nvPr/>
           </p:nvSpPr>
           <p:spPr>
-            <a:xfrm flipH="1">
-              <a:off x="6580084" y="2556760"/>
-              <a:ext cx="1513168" cy="1028895"/>
+            <a:xfrm>
+              <a:off x="3687769" y="3917530"/>
+              <a:ext cx="1311260" cy="724095"/>
             </a:xfrm>
-            <a:prstGeom prst="flowChartMultidocument">
+            <a:prstGeom prst="flowChartAlternateProcess">
               <a:avLst/>
             </a:prstGeom>
           </p:spPr>
@@ -3452,349 +3651,16 @@
             <a:lstStyle/>
             <a:p>
               <a:pPr algn="ctr"/>
-              <a:r>
-                <a:rPr lang="en-GB" sz="1600" dirty="0"/>
-                <a:t>Vulnerability distributions</a:t>
-              </a:r>
+              <a:endParaRPr lang="en-GB" sz="1600" dirty="0"/>
             </a:p>
           </p:txBody>
         </p:sp>
-        <p:grpSp>
-          <p:nvGrpSpPr>
-            <p:cNvPr id="21" name="Group 20">
+        <p:sp>
+          <p:nvSpPr>
+            <p:cNvPr id="15" name="Flowchart: Alternate Process 14">
               <a:extLst>
                 <a:ext uri="{FF2B5EF4-FFF2-40B4-BE49-F238E27FC236}">
-                  <a16:creationId xmlns:a16="http://schemas.microsoft.com/office/drawing/2014/main" id="{91249001-E616-4966-9ECA-1D0A51CBA2EA}"/>
-                </a:ext>
-              </a:extLst>
-            </p:cNvPr>
-            <p:cNvGrpSpPr/>
-            <p:nvPr/>
-          </p:nvGrpSpPr>
-          <p:grpSpPr>
-            <a:xfrm>
-              <a:off x="4380722" y="2472046"/>
-              <a:ext cx="1616060" cy="1028895"/>
-              <a:chOff x="3687769" y="3917530"/>
-              <a:chExt cx="1616060" cy="1028895"/>
-            </a:xfrm>
-          </p:grpSpPr>
-          <p:sp>
-            <p:nvSpPr>
-              <p:cNvPr id="14" name="Flowchart: Alternate Process 13">
-                <a:extLst>
-                  <a:ext uri="{FF2B5EF4-FFF2-40B4-BE49-F238E27FC236}">
-                    <a16:creationId xmlns:a16="http://schemas.microsoft.com/office/drawing/2014/main" id="{293F3B63-DD54-47CA-A040-27826977E94A}"/>
-                  </a:ext>
-                </a:extLst>
-              </p:cNvPr>
-              <p:cNvSpPr/>
-              <p:nvPr/>
-            </p:nvSpPr>
-            <p:spPr>
-              <a:xfrm>
-                <a:off x="3687769" y="3917530"/>
-                <a:ext cx="1311260" cy="724095"/>
-              </a:xfrm>
-              <a:prstGeom prst="flowChartAlternateProcess">
-                <a:avLst/>
-              </a:prstGeom>
-            </p:spPr>
-            <p:style>
-              <a:lnRef idx="2">
-                <a:schemeClr val="accent6">
-                  <a:shade val="50000"/>
-                </a:schemeClr>
-              </a:lnRef>
-              <a:fillRef idx="1">
-                <a:schemeClr val="accent6"/>
-              </a:fillRef>
-              <a:effectRef idx="0">
-                <a:schemeClr val="accent6"/>
-              </a:effectRef>
-              <a:fontRef idx="minor">
-                <a:schemeClr val="lt1"/>
-              </a:fontRef>
-            </p:style>
-            <p:txBody>
-              <a:bodyPr rtlCol="0" anchor="ctr"/>
-              <a:lstStyle/>
-              <a:p>
-                <a:pPr algn="ctr"/>
-                <a:endParaRPr lang="en-GB" sz="1600" dirty="0"/>
-              </a:p>
-            </p:txBody>
-          </p:sp>
-          <p:sp>
-            <p:nvSpPr>
-              <p:cNvPr id="15" name="Flowchart: Alternate Process 14">
-                <a:extLst>
-                  <a:ext uri="{FF2B5EF4-FFF2-40B4-BE49-F238E27FC236}">
-                    <a16:creationId xmlns:a16="http://schemas.microsoft.com/office/drawing/2014/main" id="{9F46F2AE-F83D-4C1E-8AED-ADE535157DA4}"/>
-                  </a:ext>
-                </a:extLst>
-              </p:cNvPr>
-              <p:cNvSpPr/>
-              <p:nvPr/>
-            </p:nvSpPr>
-            <p:spPr>
-              <a:xfrm>
-                <a:off x="3840169" y="4069930"/>
-                <a:ext cx="1311260" cy="724095"/>
-              </a:xfrm>
-              <a:prstGeom prst="flowChartAlternateProcess">
-                <a:avLst/>
-              </a:prstGeom>
-            </p:spPr>
-            <p:style>
-              <a:lnRef idx="2">
-                <a:schemeClr val="accent6">
-                  <a:shade val="50000"/>
-                </a:schemeClr>
-              </a:lnRef>
-              <a:fillRef idx="1">
-                <a:schemeClr val="accent6"/>
-              </a:fillRef>
-              <a:effectRef idx="0">
-                <a:schemeClr val="accent6"/>
-              </a:effectRef>
-              <a:fontRef idx="minor">
-                <a:schemeClr val="lt1"/>
-              </a:fontRef>
-            </p:style>
-            <p:txBody>
-              <a:bodyPr rtlCol="0" anchor="ctr"/>
-              <a:lstStyle/>
-              <a:p>
-                <a:pPr algn="ctr"/>
-                <a:endParaRPr lang="en-GB" sz="1600" dirty="0"/>
-              </a:p>
-            </p:txBody>
-          </p:sp>
-          <p:sp>
-            <p:nvSpPr>
-              <p:cNvPr id="16" name="Flowchart: Alternate Process 15">
-                <a:extLst>
-                  <a:ext uri="{FF2B5EF4-FFF2-40B4-BE49-F238E27FC236}">
-                    <a16:creationId xmlns:a16="http://schemas.microsoft.com/office/drawing/2014/main" id="{50CE6281-6604-4332-AA19-AE2C8EC7C5D0}"/>
-                  </a:ext>
-                </a:extLst>
-              </p:cNvPr>
-              <p:cNvSpPr/>
-              <p:nvPr/>
-            </p:nvSpPr>
-            <p:spPr>
-              <a:xfrm>
-                <a:off x="3992569" y="4222330"/>
-                <a:ext cx="1311260" cy="724095"/>
-              </a:xfrm>
-              <a:prstGeom prst="flowChartAlternateProcess">
-                <a:avLst/>
-              </a:prstGeom>
-            </p:spPr>
-            <p:style>
-              <a:lnRef idx="2">
-                <a:schemeClr val="accent6">
-                  <a:shade val="50000"/>
-                </a:schemeClr>
-              </a:lnRef>
-              <a:fillRef idx="1">
-                <a:schemeClr val="accent6"/>
-              </a:fillRef>
-              <a:effectRef idx="0">
-                <a:schemeClr val="accent6"/>
-              </a:effectRef>
-              <a:fontRef idx="minor">
-                <a:schemeClr val="lt1"/>
-              </a:fontRef>
-            </p:style>
-            <p:txBody>
-              <a:bodyPr rtlCol="0" anchor="ctr"/>
-              <a:lstStyle/>
-              <a:p>
-                <a:pPr algn="ctr"/>
-                <a:r>
-                  <a:rPr lang="en-GB" sz="1600" dirty="0"/>
-                  <a:t>Vulnerability models</a:t>
-                </a:r>
-              </a:p>
-            </p:txBody>
-          </p:sp>
-        </p:grpSp>
-        <p:grpSp>
-          <p:nvGrpSpPr>
-            <p:cNvPr id="22" name="Group 21">
-              <a:extLst>
-                <a:ext uri="{FF2B5EF4-FFF2-40B4-BE49-F238E27FC236}">
-                  <a16:creationId xmlns:a16="http://schemas.microsoft.com/office/drawing/2014/main" id="{7A1A3FED-A5D5-4F2A-B946-74781B5F54C4}"/>
-                </a:ext>
-              </a:extLst>
-            </p:cNvPr>
-            <p:cNvGrpSpPr/>
-            <p:nvPr/>
-          </p:nvGrpSpPr>
-          <p:grpSpPr>
-            <a:xfrm>
-              <a:off x="2145972" y="857149"/>
-              <a:ext cx="1616060" cy="1028895"/>
-              <a:chOff x="2645724" y="2450388"/>
-              <a:chExt cx="1616060" cy="1028895"/>
-            </a:xfrm>
-          </p:grpSpPr>
-          <p:sp>
-            <p:nvSpPr>
-              <p:cNvPr id="17" name="Flowchart: Alternate Process 16">
-                <a:extLst>
-                  <a:ext uri="{FF2B5EF4-FFF2-40B4-BE49-F238E27FC236}">
-                    <a16:creationId xmlns:a16="http://schemas.microsoft.com/office/drawing/2014/main" id="{DADADE8D-FDF7-4C23-AC59-5D9AE00CE3C2}"/>
-                  </a:ext>
-                </a:extLst>
-              </p:cNvPr>
-              <p:cNvSpPr/>
-              <p:nvPr/>
-            </p:nvSpPr>
-            <p:spPr>
-              <a:xfrm>
-                <a:off x="2645724" y="2450388"/>
-                <a:ext cx="1311260" cy="724095"/>
-              </a:xfrm>
-              <a:prstGeom prst="flowChartAlternateProcess">
-                <a:avLst/>
-              </a:prstGeom>
-            </p:spPr>
-            <p:style>
-              <a:lnRef idx="2">
-                <a:schemeClr val="accent2">
-                  <a:shade val="50000"/>
-                </a:schemeClr>
-              </a:lnRef>
-              <a:fillRef idx="1">
-                <a:schemeClr val="accent2"/>
-              </a:fillRef>
-              <a:effectRef idx="0">
-                <a:schemeClr val="accent2"/>
-              </a:effectRef>
-              <a:fontRef idx="minor">
-                <a:schemeClr val="lt1"/>
-              </a:fontRef>
-            </p:style>
-            <p:txBody>
-              <a:bodyPr rtlCol="0" anchor="ctr"/>
-              <a:lstStyle/>
-              <a:p>
-                <a:pPr algn="ctr"/>
-                <a:r>
-                  <a:rPr lang="en-GB" sz="1600" dirty="0"/>
-                  <a:t>Hazard models</a:t>
-                </a:r>
-              </a:p>
-            </p:txBody>
-          </p:sp>
-          <p:sp>
-            <p:nvSpPr>
-              <p:cNvPr id="18" name="Flowchart: Alternate Process 17">
-                <a:extLst>
-                  <a:ext uri="{FF2B5EF4-FFF2-40B4-BE49-F238E27FC236}">
-                    <a16:creationId xmlns:a16="http://schemas.microsoft.com/office/drawing/2014/main" id="{E9B527BB-88D8-48E6-9600-277A36967382}"/>
-                  </a:ext>
-                </a:extLst>
-              </p:cNvPr>
-              <p:cNvSpPr/>
-              <p:nvPr/>
-            </p:nvSpPr>
-            <p:spPr>
-              <a:xfrm>
-                <a:off x="2798124" y="2602788"/>
-                <a:ext cx="1311260" cy="724095"/>
-              </a:xfrm>
-              <a:prstGeom prst="flowChartAlternateProcess">
-                <a:avLst/>
-              </a:prstGeom>
-            </p:spPr>
-            <p:style>
-              <a:lnRef idx="2">
-                <a:schemeClr val="accent2">
-                  <a:shade val="50000"/>
-                </a:schemeClr>
-              </a:lnRef>
-              <a:fillRef idx="1">
-                <a:schemeClr val="accent2"/>
-              </a:fillRef>
-              <a:effectRef idx="0">
-                <a:schemeClr val="accent2"/>
-              </a:effectRef>
-              <a:fontRef idx="minor">
-                <a:schemeClr val="lt1"/>
-              </a:fontRef>
-            </p:style>
-            <p:txBody>
-              <a:bodyPr rtlCol="0" anchor="ctr"/>
-              <a:lstStyle/>
-              <a:p>
-                <a:pPr algn="ctr"/>
-                <a:r>
-                  <a:rPr lang="en-GB" sz="1600" dirty="0"/>
-                  <a:t>Hazard models</a:t>
-                </a:r>
-              </a:p>
-            </p:txBody>
-          </p:sp>
-          <p:sp>
-            <p:nvSpPr>
-              <p:cNvPr id="19" name="Flowchart: Alternate Process 18">
-                <a:extLst>
-                  <a:ext uri="{FF2B5EF4-FFF2-40B4-BE49-F238E27FC236}">
-                    <a16:creationId xmlns:a16="http://schemas.microsoft.com/office/drawing/2014/main" id="{CD6A34D8-8BB9-48AF-A91D-D8150CF941B8}"/>
-                  </a:ext>
-                </a:extLst>
-              </p:cNvPr>
-              <p:cNvSpPr/>
-              <p:nvPr/>
-            </p:nvSpPr>
-            <p:spPr>
-              <a:xfrm>
-                <a:off x="2950524" y="2755188"/>
-                <a:ext cx="1311260" cy="724095"/>
-              </a:xfrm>
-              <a:prstGeom prst="flowChartAlternateProcess">
-                <a:avLst/>
-              </a:prstGeom>
-            </p:spPr>
-            <p:style>
-              <a:lnRef idx="2">
-                <a:schemeClr val="accent2">
-                  <a:shade val="50000"/>
-                </a:schemeClr>
-              </a:lnRef>
-              <a:fillRef idx="1">
-                <a:schemeClr val="accent2"/>
-              </a:fillRef>
-              <a:effectRef idx="0">
-                <a:schemeClr val="accent2"/>
-              </a:effectRef>
-              <a:fontRef idx="minor">
-                <a:schemeClr val="lt1"/>
-              </a:fontRef>
-            </p:style>
-            <p:txBody>
-              <a:bodyPr rtlCol="0" anchor="ctr"/>
-              <a:lstStyle/>
-              <a:p>
-                <a:pPr algn="ctr"/>
-                <a:r>
-                  <a:rPr lang="en-GB" sz="1600" dirty="0"/>
-                  <a:t>Hazard models</a:t>
-                </a:r>
-              </a:p>
-            </p:txBody>
-          </p:sp>
-        </p:grpSp>
-        <p:sp>
-          <p:nvSpPr>
-            <p:cNvPr id="20" name="Flowchart: Multidocument 19">
-              <a:extLst>
-                <a:ext uri="{FF2B5EF4-FFF2-40B4-BE49-F238E27FC236}">
-                  <a16:creationId xmlns:a16="http://schemas.microsoft.com/office/drawing/2014/main" id="{EA1E8947-2712-44A4-9ABD-4564FA3C5491}"/>
+                  <a16:creationId xmlns:a16="http://schemas.microsoft.com/office/drawing/2014/main" id="{9F46F2AE-F83D-4C1E-8AED-ADE535157DA4}"/>
                 </a:ext>
               </a:extLst>
             </p:cNvPr>
@@ -3802,25 +3668,25 @@
             <p:nvPr/>
           </p:nvSpPr>
           <p:spPr>
-            <a:xfrm flipH="1">
-              <a:off x="6580084" y="1009549"/>
-              <a:ext cx="1513168" cy="1028895"/>
+            <a:xfrm>
+              <a:off x="3840169" y="4069930"/>
+              <a:ext cx="1311260" cy="724095"/>
             </a:xfrm>
-            <a:prstGeom prst="flowChartMultidocument">
+            <a:prstGeom prst="flowChartAlternateProcess">
               <a:avLst/>
             </a:prstGeom>
           </p:spPr>
           <p:style>
             <a:lnRef idx="2">
-              <a:schemeClr val="accent2">
+              <a:schemeClr val="accent6">
                 <a:shade val="50000"/>
               </a:schemeClr>
             </a:lnRef>
             <a:fillRef idx="1">
-              <a:schemeClr val="accent2"/>
+              <a:schemeClr val="accent6"/>
             </a:fillRef>
             <a:effectRef idx="0">
-              <a:schemeClr val="accent2"/>
+              <a:schemeClr val="accent6"/>
             </a:effectRef>
             <a:fontRef idx="minor">
               <a:schemeClr val="lt1"/>
@@ -3831,19 +3697,16 @@
             <a:lstStyle/>
             <a:p>
               <a:pPr algn="ctr"/>
-              <a:r>
-                <a:rPr lang="en-GB" sz="1600" dirty="0"/>
-                <a:t>Asset event distributions</a:t>
-              </a:r>
+              <a:endParaRPr lang="en-GB" sz="1600" dirty="0"/>
             </a:p>
           </p:txBody>
         </p:sp>
         <p:sp>
           <p:nvSpPr>
-            <p:cNvPr id="23" name="Flowchart: Magnetic Disk 22">
+            <p:cNvPr id="16" name="Flowchart: Alternate Process 15">
               <a:extLst>
                 <a:ext uri="{FF2B5EF4-FFF2-40B4-BE49-F238E27FC236}">
-                  <a16:creationId xmlns:a16="http://schemas.microsoft.com/office/drawing/2014/main" id="{205B4254-D0DB-48AF-A1EB-CAB1DC34245F}"/>
+                  <a16:creationId xmlns:a16="http://schemas.microsoft.com/office/drawing/2014/main" id="{50CE6281-6604-4332-AA19-AE2C8EC7C5D0}"/>
                 </a:ext>
               </a:extLst>
             </p:cNvPr>
@@ -3852,204 +3715,8 @@
           </p:nvSpPr>
           <p:spPr>
             <a:xfrm>
-              <a:off x="4218465" y="930609"/>
-              <a:ext cx="1311260" cy="914400"/>
-            </a:xfrm>
-            <a:prstGeom prst="flowChartMagneticDisk">
-              <a:avLst/>
-            </a:prstGeom>
-          </p:spPr>
-          <p:style>
-            <a:lnRef idx="2">
-              <a:schemeClr val="accent2">
-                <a:shade val="50000"/>
-              </a:schemeClr>
-            </a:lnRef>
-            <a:fillRef idx="1">
-              <a:schemeClr val="accent2"/>
-            </a:fillRef>
-            <a:effectRef idx="0">
-              <a:schemeClr val="accent2"/>
-            </a:effectRef>
-            <a:fontRef idx="minor">
-              <a:schemeClr val="lt1"/>
-            </a:fontRef>
-          </p:style>
-          <p:txBody>
-            <a:bodyPr rtlCol="0" anchor="ctr"/>
-            <a:lstStyle/>
-            <a:p>
-              <a:pPr algn="ctr"/>
-              <a:r>
-                <a:rPr lang="en-GB" sz="1600" dirty="0"/>
-                <a:t>Hazard data sets</a:t>
-              </a:r>
-            </a:p>
-          </p:txBody>
-        </p:sp>
-        <p:sp>
-          <p:nvSpPr>
-            <p:cNvPr id="24" name="Flowchart: Alternate Process 23">
-              <a:extLst>
-                <a:ext uri="{FF2B5EF4-FFF2-40B4-BE49-F238E27FC236}">
-                  <a16:creationId xmlns:a16="http://schemas.microsoft.com/office/drawing/2014/main" id="{13DE1771-CD04-438A-9A9B-339CF6F44307}"/>
-                </a:ext>
-              </a:extLst>
-            </p:cNvPr>
-            <p:cNvSpPr/>
-            <p:nvPr/>
-          </p:nvSpPr>
-          <p:spPr>
-            <a:xfrm>
-              <a:off x="111006" y="531459"/>
-              <a:ext cx="1451284" cy="673036"/>
-            </a:xfrm>
-            <a:prstGeom prst="flowChartAlternateProcess">
-              <a:avLst/>
-            </a:prstGeom>
-          </p:spPr>
-          <p:style>
-            <a:lnRef idx="2">
-              <a:schemeClr val="accent1">
-                <a:shade val="50000"/>
-              </a:schemeClr>
-            </a:lnRef>
-            <a:fillRef idx="1">
-              <a:schemeClr val="accent1"/>
-            </a:fillRef>
-            <a:effectRef idx="0">
-              <a:schemeClr val="accent1"/>
-            </a:effectRef>
-            <a:fontRef idx="minor">
-              <a:schemeClr val="lt1"/>
-            </a:fontRef>
-          </p:style>
-          <p:txBody>
-            <a:bodyPr rtlCol="0" anchor="ctr"/>
-            <a:lstStyle/>
-            <a:p>
-              <a:pPr algn="ctr"/>
-              <a:r>
-                <a:rPr lang="en-GB" dirty="0"/>
-                <a:t>Climate</a:t>
-              </a:r>
-            </a:p>
-          </p:txBody>
-        </p:sp>
-        <p:sp>
-          <p:nvSpPr>
-            <p:cNvPr id="25" name="Flowchart: Alternate Process 24">
-              <a:extLst>
-                <a:ext uri="{FF2B5EF4-FFF2-40B4-BE49-F238E27FC236}">
-                  <a16:creationId xmlns:a16="http://schemas.microsoft.com/office/drawing/2014/main" id="{FF5C8377-CD2C-4376-AC37-5E9B8F2A41BB}"/>
-                </a:ext>
-              </a:extLst>
-            </p:cNvPr>
-            <p:cNvSpPr/>
-            <p:nvPr/>
-          </p:nvSpPr>
-          <p:spPr>
-            <a:xfrm>
-              <a:off x="114244" y="1494171"/>
-              <a:ext cx="1451284" cy="673036"/>
-            </a:xfrm>
-            <a:prstGeom prst="flowChartAlternateProcess">
-              <a:avLst/>
-            </a:prstGeom>
-          </p:spPr>
-          <p:style>
-            <a:lnRef idx="2">
-              <a:schemeClr val="accent1">
-                <a:shade val="50000"/>
-              </a:schemeClr>
-            </a:lnRef>
-            <a:fillRef idx="1">
-              <a:schemeClr val="accent1"/>
-            </a:fillRef>
-            <a:effectRef idx="0">
-              <a:schemeClr val="accent1"/>
-            </a:effectRef>
-            <a:fontRef idx="minor">
-              <a:schemeClr val="lt1"/>
-            </a:fontRef>
-          </p:style>
-          <p:txBody>
-            <a:bodyPr rtlCol="0" anchor="ctr"/>
-            <a:lstStyle/>
-            <a:p>
-              <a:pPr algn="ctr"/>
-              <a:r>
-                <a:rPr lang="en-GB" dirty="0"/>
-                <a:t>Land/sea scape</a:t>
-              </a:r>
-            </a:p>
-          </p:txBody>
-        </p:sp>
-        <p:sp>
-          <p:nvSpPr>
-            <p:cNvPr id="27" name="Flowchart: Alternate Process 26">
-              <a:extLst>
-                <a:ext uri="{FF2B5EF4-FFF2-40B4-BE49-F238E27FC236}">
-                  <a16:creationId xmlns:a16="http://schemas.microsoft.com/office/drawing/2014/main" id="{CB076805-AF06-470F-9290-39FF79E646B9}"/>
-                </a:ext>
-              </a:extLst>
-            </p:cNvPr>
-            <p:cNvSpPr/>
-            <p:nvPr/>
-          </p:nvSpPr>
-          <p:spPr>
-            <a:xfrm>
-              <a:off x="95340" y="3496255"/>
-              <a:ext cx="1451284" cy="673036"/>
-            </a:xfrm>
-            <a:prstGeom prst="flowChartAlternateProcess">
-              <a:avLst/>
-            </a:prstGeom>
-          </p:spPr>
-          <p:style>
-            <a:lnRef idx="2">
-              <a:schemeClr val="accent1">
-                <a:shade val="50000"/>
-              </a:schemeClr>
-            </a:lnRef>
-            <a:fillRef idx="1">
-              <a:schemeClr val="accent1"/>
-            </a:fillRef>
-            <a:effectRef idx="0">
-              <a:schemeClr val="accent1"/>
-            </a:effectRef>
-            <a:fontRef idx="minor">
-              <a:schemeClr val="lt1"/>
-            </a:fontRef>
-          </p:style>
-          <p:txBody>
-            <a:bodyPr rtlCol="0" anchor="ctr"/>
-            <a:lstStyle/>
-            <a:p>
-              <a:pPr algn="ctr"/>
-              <a:r>
-                <a:rPr lang="en-GB" dirty="0"/>
-                <a:t>Portfolio</a:t>
-              </a:r>
-            </a:p>
-          </p:txBody>
-        </p:sp>
-        <p:sp>
-          <p:nvSpPr>
-            <p:cNvPr id="28" name="Flowchart: Alternate Process 27">
-              <a:extLst>
-                <a:ext uri="{FF2B5EF4-FFF2-40B4-BE49-F238E27FC236}">
-                  <a16:creationId xmlns:a16="http://schemas.microsoft.com/office/drawing/2014/main" id="{31171DAB-CB95-406D-83B8-8A1181FE3A36}"/>
-                </a:ext>
-              </a:extLst>
-            </p:cNvPr>
-            <p:cNvSpPr/>
-            <p:nvPr/>
-          </p:nvSpPr>
-          <p:spPr>
-            <a:xfrm>
-              <a:off x="8533825" y="1845009"/>
-              <a:ext cx="1451284" cy="673036"/>
+              <a:off x="3992569" y="4222330"/>
+              <a:ext cx="1311260" cy="724095"/>
             </a:xfrm>
             <a:prstGeom prst="flowChartAlternateProcess">
               <a:avLst/>
@@ -4077,18 +3744,46 @@
             <a:p>
               <a:pPr algn="ctr"/>
               <a:r>
-                <a:rPr lang="en-GB" dirty="0"/>
-                <a:t>Asset impact model</a:t>
+                <a:rPr lang="en-GB" sz="1600" dirty="0"/>
+                <a:t>Exposure/</a:t>
+              </a:r>
+            </a:p>
+            <a:p>
+              <a:pPr algn="ctr"/>
+              <a:r>
+                <a:rPr lang="en-GB" sz="1600" dirty="0"/>
+                <a:t>vulnerability models</a:t>
               </a:r>
             </a:p>
           </p:txBody>
         </p:sp>
+      </p:grpSp>
+      <p:grpSp>
+        <p:nvGrpSpPr>
+          <p:cNvPr id="22" name="Group 21">
+            <a:extLst>
+              <a:ext uri="{FF2B5EF4-FFF2-40B4-BE49-F238E27FC236}">
+                <a16:creationId xmlns:a16="http://schemas.microsoft.com/office/drawing/2014/main" id="{7A1A3FED-A5D5-4F2A-B946-74781B5F54C4}"/>
+              </a:ext>
+            </a:extLst>
+          </p:cNvPr>
+          <p:cNvGrpSpPr/>
+          <p:nvPr/>
+        </p:nvGrpSpPr>
+        <p:grpSpPr>
+          <a:xfrm>
+            <a:off x="2145972" y="857149"/>
+            <a:ext cx="1616060" cy="1028895"/>
+            <a:chOff x="2645724" y="2450388"/>
+            <a:chExt cx="1616060" cy="1028895"/>
+          </a:xfrm>
+        </p:grpSpPr>
         <p:sp>
           <p:nvSpPr>
-            <p:cNvPr id="29" name="Flowchart: Alternate Process 28">
+            <p:cNvPr id="17" name="Flowchart: Alternate Process 16">
               <a:extLst>
                 <a:ext uri="{FF2B5EF4-FFF2-40B4-BE49-F238E27FC236}">
-                  <a16:creationId xmlns:a16="http://schemas.microsoft.com/office/drawing/2014/main" id="{BA85A384-70FB-4258-96C5-776BAA236DCE}"/>
+                  <a16:creationId xmlns:a16="http://schemas.microsoft.com/office/drawing/2014/main" id="{DADADE8D-FDF7-4C23-AC59-5D9AE00CE3C2}"/>
                 </a:ext>
               </a:extLst>
             </p:cNvPr>
@@ -4097,8 +3792,8 @@
           </p:nvSpPr>
           <p:spPr>
             <a:xfrm>
-              <a:off x="10326349" y="1845009"/>
-              <a:ext cx="1344137" cy="673036"/>
+              <a:off x="2645724" y="2450388"/>
+              <a:ext cx="1311260" cy="724095"/>
             </a:xfrm>
             <a:prstGeom prst="flowChartAlternateProcess">
               <a:avLst/>
@@ -4106,15 +3801,15 @@
           </p:spPr>
           <p:style>
             <a:lnRef idx="2">
-              <a:schemeClr val="accent6">
+              <a:schemeClr val="accent2">
                 <a:shade val="50000"/>
               </a:schemeClr>
             </a:lnRef>
             <a:fillRef idx="1">
-              <a:schemeClr val="accent6"/>
+              <a:schemeClr val="accent2"/>
             </a:fillRef>
             <a:effectRef idx="0">
-              <a:schemeClr val="accent6"/>
+              <a:schemeClr val="accent2"/>
             </a:effectRef>
             <a:fontRef idx="minor">
               <a:schemeClr val="lt1"/>
@@ -4126,104 +3821,18 @@
             <a:p>
               <a:pPr algn="ctr"/>
               <a:r>
-                <a:rPr lang="en-GB" dirty="0"/>
-                <a:t>Risk model</a:t>
+                <a:rPr lang="en-GB" sz="1600" dirty="0"/>
+                <a:t>Hazard models</a:t>
               </a:r>
             </a:p>
           </p:txBody>
         </p:sp>
-        <p:cxnSp>
-          <p:nvCxnSpPr>
-            <p:cNvPr id="31" name="Connector: Elbow 30">
+        <p:sp>
+          <p:nvSpPr>
+            <p:cNvPr id="18" name="Flowchart: Alternate Process 17">
               <a:extLst>
                 <a:ext uri="{FF2B5EF4-FFF2-40B4-BE49-F238E27FC236}">
-                  <a16:creationId xmlns:a16="http://schemas.microsoft.com/office/drawing/2014/main" id="{086029A3-E051-4628-BA5A-7C4368B0ED3E}"/>
-                </a:ext>
-              </a:extLst>
-            </p:cNvPr>
-            <p:cNvCxnSpPr>
-              <a:cxnSpLocks/>
-              <a:stCxn id="24" idx="3"/>
-              <a:endCxn id="17" idx="1"/>
-            </p:cNvCxnSpPr>
-            <p:nvPr/>
-          </p:nvCxnSpPr>
-          <p:spPr>
-            <a:xfrm>
-              <a:off x="1562290" y="867977"/>
-              <a:ext cx="583682" cy="351220"/>
-            </a:xfrm>
-            <a:prstGeom prst="bentConnector3">
-              <a:avLst/>
-            </a:prstGeom>
-            <a:ln>
-              <a:tailEnd type="triangle"/>
-            </a:ln>
-          </p:spPr>
-          <p:style>
-            <a:lnRef idx="1">
-              <a:schemeClr val="accent1"/>
-            </a:lnRef>
-            <a:fillRef idx="0">
-              <a:schemeClr val="accent1"/>
-            </a:fillRef>
-            <a:effectRef idx="0">
-              <a:schemeClr val="accent1"/>
-            </a:effectRef>
-            <a:fontRef idx="minor">
-              <a:schemeClr val="tx1"/>
-            </a:fontRef>
-          </p:style>
-        </p:cxnSp>
-        <p:cxnSp>
-          <p:nvCxnSpPr>
-            <p:cNvPr id="37" name="Connector: Elbow 36">
-              <a:extLst>
-                <a:ext uri="{FF2B5EF4-FFF2-40B4-BE49-F238E27FC236}">
-                  <a16:creationId xmlns:a16="http://schemas.microsoft.com/office/drawing/2014/main" id="{0A5DD7A4-0A82-42E4-9328-288C2E0E68BF}"/>
-                </a:ext>
-              </a:extLst>
-            </p:cNvPr>
-            <p:cNvCxnSpPr>
-              <a:cxnSpLocks/>
-              <a:stCxn id="25" idx="3"/>
-              <a:endCxn id="17" idx="1"/>
-            </p:cNvCxnSpPr>
-            <p:nvPr/>
-          </p:nvCxnSpPr>
-          <p:spPr>
-            <a:xfrm flipV="1">
-              <a:off x="1565528" y="1219197"/>
-              <a:ext cx="580444" cy="611492"/>
-            </a:xfrm>
-            <a:prstGeom prst="bentConnector3">
-              <a:avLst/>
-            </a:prstGeom>
-            <a:ln>
-              <a:tailEnd type="triangle"/>
-            </a:ln>
-          </p:spPr>
-          <p:style>
-            <a:lnRef idx="1">
-              <a:schemeClr val="accent1"/>
-            </a:lnRef>
-            <a:fillRef idx="0">
-              <a:schemeClr val="accent1"/>
-            </a:fillRef>
-            <a:effectRef idx="0">
-              <a:schemeClr val="accent1"/>
-            </a:effectRef>
-            <a:fontRef idx="minor">
-              <a:schemeClr val="tx1"/>
-            </a:fontRef>
-          </p:style>
-        </p:cxnSp>
-        <p:sp>
-          <p:nvSpPr>
-            <p:cNvPr id="47" name="Flowchart: Alternate Process 46">
-              <a:extLst>
-                <a:ext uri="{FF2B5EF4-FFF2-40B4-BE49-F238E27FC236}">
-                  <a16:creationId xmlns:a16="http://schemas.microsoft.com/office/drawing/2014/main" id="{F4E26D8A-005E-483D-A235-C5B506A041A1}"/>
+                  <a16:creationId xmlns:a16="http://schemas.microsoft.com/office/drawing/2014/main" id="{E9B527BB-88D8-48E6-9600-277A36967382}"/>
                 </a:ext>
               </a:extLst>
             </p:cNvPr>
@@ -4232,8 +3841,8 @@
           </p:nvSpPr>
           <p:spPr>
             <a:xfrm>
-              <a:off x="122332" y="2485886"/>
-              <a:ext cx="1451284" cy="673036"/>
+              <a:off x="2798124" y="2602788"/>
+              <a:ext cx="1311260" cy="724095"/>
             </a:xfrm>
             <a:prstGeom prst="flowChartAlternateProcess">
               <a:avLst/>
@@ -4241,15 +3850,15 @@
           </p:spPr>
           <p:style>
             <a:lnRef idx="2">
-              <a:schemeClr val="accent1">
+              <a:schemeClr val="accent2">
                 <a:shade val="50000"/>
               </a:schemeClr>
             </a:lnRef>
             <a:fillRef idx="1">
-              <a:schemeClr val="accent1"/>
+              <a:schemeClr val="accent2"/>
             </a:fillRef>
             <a:effectRef idx="0">
-              <a:schemeClr val="accent1"/>
+              <a:schemeClr val="accent2"/>
             </a:effectRef>
             <a:fontRef idx="minor">
               <a:schemeClr val="lt1"/>
@@ -4261,670 +3870,1263 @@
             <a:p>
               <a:pPr algn="ctr"/>
               <a:r>
-                <a:rPr lang="en-GB" dirty="0"/>
-                <a:t>Assets</a:t>
-              </a:r>
-            </a:p>
-          </p:txBody>
-        </p:sp>
-        <p:cxnSp>
-          <p:nvCxnSpPr>
-            <p:cNvPr id="49" name="Connector: Elbow 48">
-              <a:extLst>
-                <a:ext uri="{FF2B5EF4-FFF2-40B4-BE49-F238E27FC236}">
-                  <a16:creationId xmlns:a16="http://schemas.microsoft.com/office/drawing/2014/main" id="{C3F93D81-5770-4363-BE04-F18051775877}"/>
-                </a:ext>
-              </a:extLst>
-            </p:cNvPr>
-            <p:cNvCxnSpPr>
-              <a:cxnSpLocks/>
-              <a:endCxn id="14" idx="1"/>
-            </p:cNvCxnSpPr>
-            <p:nvPr/>
-          </p:nvCxnSpPr>
-          <p:spPr>
-            <a:xfrm>
-              <a:off x="1584735" y="2663942"/>
-              <a:ext cx="2795987" cy="170152"/>
-            </a:xfrm>
-            <a:prstGeom prst="bentConnector3">
-              <a:avLst>
-                <a:gd name="adj1" fmla="val 50000"/>
-              </a:avLst>
-            </a:prstGeom>
-            <a:ln>
-              <a:tailEnd type="triangle"/>
-            </a:ln>
-          </p:spPr>
-          <p:style>
-            <a:lnRef idx="1">
-              <a:schemeClr val="accent1"/>
-            </a:lnRef>
-            <a:fillRef idx="0">
-              <a:schemeClr val="accent1"/>
-            </a:fillRef>
-            <a:effectRef idx="0">
-              <a:schemeClr val="accent1"/>
-            </a:effectRef>
-            <a:fontRef idx="minor">
-              <a:schemeClr val="tx1"/>
-            </a:fontRef>
-          </p:style>
-        </p:cxnSp>
-        <p:cxnSp>
-          <p:nvCxnSpPr>
-            <p:cNvPr id="50" name="Connector: Elbow 49">
-              <a:extLst>
-                <a:ext uri="{FF2B5EF4-FFF2-40B4-BE49-F238E27FC236}">
-                  <a16:creationId xmlns:a16="http://schemas.microsoft.com/office/drawing/2014/main" id="{E4768427-380E-47C7-8E8F-6637FBB1D19B}"/>
-                </a:ext>
-              </a:extLst>
-            </p:cNvPr>
-            <p:cNvCxnSpPr>
-              <a:cxnSpLocks/>
-            </p:cNvCxnSpPr>
-            <p:nvPr/>
-          </p:nvCxnSpPr>
-          <p:spPr>
-            <a:xfrm flipV="1">
-              <a:off x="1582465" y="2936995"/>
-              <a:ext cx="2789408" cy="61530"/>
-            </a:xfrm>
-            <a:prstGeom prst="bentConnector3">
-              <a:avLst>
-                <a:gd name="adj1" fmla="val 50000"/>
-              </a:avLst>
-            </a:prstGeom>
-            <a:ln>
-              <a:tailEnd type="triangle"/>
-            </a:ln>
-          </p:spPr>
-          <p:style>
-            <a:lnRef idx="1">
-              <a:schemeClr val="accent1"/>
-            </a:lnRef>
-            <a:fillRef idx="0">
-              <a:schemeClr val="accent1"/>
-            </a:fillRef>
-            <a:effectRef idx="0">
-              <a:schemeClr val="accent1"/>
-            </a:effectRef>
-            <a:fontRef idx="minor">
-              <a:schemeClr val="tx1"/>
-            </a:fontRef>
-          </p:style>
-        </p:cxnSp>
-        <p:sp>
-          <p:nvSpPr>
-            <p:cNvPr id="52" name="TextBox 51">
-              <a:extLst>
-                <a:ext uri="{FF2B5EF4-FFF2-40B4-BE49-F238E27FC236}">
-                  <a16:creationId xmlns:a16="http://schemas.microsoft.com/office/drawing/2014/main" id="{EDC98451-1646-4EF6-A6CE-C9FF61FCF4A6}"/>
-                </a:ext>
-              </a:extLst>
-            </p:cNvPr>
-            <p:cNvSpPr txBox="1"/>
-            <p:nvPr/>
-          </p:nvSpPr>
-          <p:spPr>
-            <a:xfrm>
-              <a:off x="2182139" y="3058606"/>
-              <a:ext cx="1675630" cy="461665"/>
-            </a:xfrm>
-            <a:prstGeom prst="rect">
-              <a:avLst/>
-            </a:prstGeom>
-            <a:noFill/>
-          </p:spPr>
-          <p:txBody>
-            <a:bodyPr wrap="square" rtlCol="0">
-              <a:spAutoFit/>
-            </a:bodyPr>
-            <a:lstStyle/>
-            <a:p>
-              <a:r>
-                <a:rPr lang="en-GB" sz="1200" dirty="0">
-                  <a:ln w="0"/>
-                  <a:solidFill>
-                    <a:schemeClr val="accent1"/>
-                  </a:solidFill>
-                  <a:effectLst>
-                    <a:outerShdw blurRad="38100" dist="25400" dir="5400000" algn="ctr" rotWithShape="0">
-                      <a:srgbClr val="6E747A">
-                        <a:alpha val="43000"/>
-                      </a:srgbClr>
-                    </a:outerShdw>
-                  </a:effectLst>
-                </a:rPr>
-                <a:t>Asset vulnerabilities (corporate disclosure</a:t>
-              </a:r>
-              <a:r>
-                <a:rPr lang="en-GB" sz="1200" dirty="0"/>
-                <a:t>)</a:t>
+                <a:rPr lang="en-GB" sz="1600" dirty="0"/>
+                <a:t>Hazard models</a:t>
               </a:r>
             </a:p>
           </p:txBody>
         </p:sp>
         <p:sp>
           <p:nvSpPr>
-            <p:cNvPr id="53" name="TextBox 52">
+            <p:cNvPr id="19" name="Flowchart: Alternate Process 18">
               <a:extLst>
                 <a:ext uri="{FF2B5EF4-FFF2-40B4-BE49-F238E27FC236}">
-                  <a16:creationId xmlns:a16="http://schemas.microsoft.com/office/drawing/2014/main" id="{40C7D0C1-9630-467B-BE79-1AC9A5467AF1}"/>
+                  <a16:creationId xmlns:a16="http://schemas.microsoft.com/office/drawing/2014/main" id="{CD6A34D8-8BB9-48AF-A91D-D8150CF941B8}"/>
                 </a:ext>
               </a:extLst>
             </p:cNvPr>
-            <p:cNvSpPr txBox="1"/>
+            <p:cNvSpPr/>
             <p:nvPr/>
           </p:nvSpPr>
           <p:spPr>
             <a:xfrm>
-              <a:off x="1904134" y="2373042"/>
-              <a:ext cx="1675630" cy="276999"/>
+              <a:off x="2950524" y="2755188"/>
+              <a:ext cx="1311260" cy="724095"/>
             </a:xfrm>
-            <a:prstGeom prst="rect">
+            <a:prstGeom prst="flowChartAlternateProcess">
               <a:avLst/>
             </a:prstGeom>
-            <a:noFill/>
           </p:spPr>
+          <p:style>
+            <a:lnRef idx="2">
+              <a:schemeClr val="accent2">
+                <a:shade val="50000"/>
+              </a:schemeClr>
+            </a:lnRef>
+            <a:fillRef idx="1">
+              <a:schemeClr val="accent2"/>
+            </a:fillRef>
+            <a:effectRef idx="0">
+              <a:schemeClr val="accent2"/>
+            </a:effectRef>
+            <a:fontRef idx="minor">
+              <a:schemeClr val="lt1"/>
+            </a:fontRef>
+          </p:style>
           <p:txBody>
-            <a:bodyPr wrap="square" rtlCol="0">
-              <a:spAutoFit/>
-            </a:bodyPr>
+            <a:bodyPr rtlCol="0" anchor="ctr"/>
             <a:lstStyle/>
             <a:p>
+              <a:pPr algn="ctr"/>
               <a:r>
-                <a:rPr lang="en-GB" sz="1200" dirty="0">
-                  <a:ln w="0"/>
-                  <a:solidFill>
-                    <a:schemeClr val="accent1"/>
-                  </a:solidFill>
-                  <a:effectLst>
-                    <a:outerShdw blurRad="38100" dist="25400" dir="5400000" algn="ctr" rotWithShape="0">
-                      <a:srgbClr val="6E747A">
-                        <a:alpha val="43000"/>
-                      </a:srgbClr>
-                    </a:outerShdw>
-                  </a:effectLst>
-                </a:rPr>
-                <a:t>Geolocation; types</a:t>
+                <a:rPr lang="en-GB" sz="1600" dirty="0"/>
+                <a:t>Hazard models</a:t>
               </a:r>
-              <a:endParaRPr lang="en-GB" sz="1200" dirty="0"/>
             </a:p>
           </p:txBody>
         </p:sp>
-        <p:cxnSp>
-          <p:nvCxnSpPr>
-            <p:cNvPr id="61" name="Connector: Elbow 60">
-              <a:extLst>
-                <a:ext uri="{FF2B5EF4-FFF2-40B4-BE49-F238E27FC236}">
-                  <a16:creationId xmlns:a16="http://schemas.microsoft.com/office/drawing/2014/main" id="{FF205D48-01DB-49CA-A2E5-1351FCC1930C}"/>
-                </a:ext>
-              </a:extLst>
-            </p:cNvPr>
-            <p:cNvCxnSpPr>
-              <a:cxnSpLocks/>
-              <a:endCxn id="20" idx="3"/>
-            </p:cNvCxnSpPr>
-            <p:nvPr/>
-          </p:nvCxnSpPr>
-          <p:spPr>
-            <a:xfrm rot="5400000" flipH="1" flipV="1">
-              <a:off x="5557693" y="1976134"/>
-              <a:ext cx="1474527" cy="570255"/>
-            </a:xfrm>
-            <a:prstGeom prst="bentConnector2">
-              <a:avLst/>
-            </a:prstGeom>
-            <a:ln>
-              <a:tailEnd type="triangle"/>
-            </a:ln>
-          </p:spPr>
-          <p:style>
-            <a:lnRef idx="1">
-              <a:schemeClr val="accent1"/>
-            </a:lnRef>
-            <a:fillRef idx="0">
-              <a:schemeClr val="accent1"/>
-            </a:fillRef>
-            <a:effectRef idx="0">
-              <a:schemeClr val="accent1"/>
-            </a:effectRef>
-            <a:fontRef idx="minor">
-              <a:schemeClr val="tx1"/>
-            </a:fontRef>
-          </p:style>
-        </p:cxnSp>
-        <p:cxnSp>
-          <p:nvCxnSpPr>
-            <p:cNvPr id="67" name="Connector: Elbow 66">
-              <a:extLst>
-                <a:ext uri="{FF2B5EF4-FFF2-40B4-BE49-F238E27FC236}">
-                  <a16:creationId xmlns:a16="http://schemas.microsoft.com/office/drawing/2014/main" id="{63548956-BCBD-4012-A783-349736B740F2}"/>
-                </a:ext>
-              </a:extLst>
-            </p:cNvPr>
-            <p:cNvCxnSpPr>
-              <a:cxnSpLocks/>
-              <a:endCxn id="5" idx="3"/>
-            </p:cNvCxnSpPr>
-            <p:nvPr/>
-          </p:nvCxnSpPr>
-          <p:spPr>
-            <a:xfrm flipV="1">
-              <a:off x="6009827" y="3071208"/>
-              <a:ext cx="570257" cy="39098"/>
-            </a:xfrm>
-            <a:prstGeom prst="bentConnector3">
-              <a:avLst>
-                <a:gd name="adj1" fmla="val 50000"/>
-              </a:avLst>
-            </a:prstGeom>
-            <a:ln>
-              <a:tailEnd type="triangle"/>
-            </a:ln>
-          </p:spPr>
-          <p:style>
-            <a:lnRef idx="1">
-              <a:schemeClr val="accent1"/>
-            </a:lnRef>
-            <a:fillRef idx="0">
-              <a:schemeClr val="accent1"/>
-            </a:fillRef>
-            <a:effectRef idx="0">
-              <a:schemeClr val="accent1"/>
-            </a:effectRef>
-            <a:fontRef idx="minor">
-              <a:schemeClr val="tx1"/>
-            </a:fontRef>
-          </p:style>
-        </p:cxnSp>
-        <p:cxnSp>
-          <p:nvCxnSpPr>
-            <p:cNvPr id="70" name="Straight Arrow Connector 69">
-              <a:extLst>
-                <a:ext uri="{FF2B5EF4-FFF2-40B4-BE49-F238E27FC236}">
-                  <a16:creationId xmlns:a16="http://schemas.microsoft.com/office/drawing/2014/main" id="{B2A1E180-9020-43FB-98C7-C82DB605DB62}"/>
-                </a:ext>
-              </a:extLst>
-            </p:cNvPr>
-            <p:cNvCxnSpPr>
-              <a:stCxn id="23" idx="3"/>
-            </p:cNvCxnSpPr>
-            <p:nvPr/>
-          </p:nvCxnSpPr>
-          <p:spPr>
-            <a:xfrm>
-              <a:off x="4874095" y="1845009"/>
-              <a:ext cx="0" cy="627037"/>
-            </a:xfrm>
-            <a:prstGeom prst="straightConnector1">
-              <a:avLst/>
-            </a:prstGeom>
-            <a:ln>
-              <a:tailEnd type="triangle"/>
-            </a:ln>
-          </p:spPr>
-          <p:style>
-            <a:lnRef idx="1">
-              <a:schemeClr val="accent1"/>
-            </a:lnRef>
-            <a:fillRef idx="0">
-              <a:schemeClr val="accent1"/>
-            </a:fillRef>
-            <a:effectRef idx="0">
-              <a:schemeClr val="accent1"/>
-            </a:effectRef>
-            <a:fontRef idx="minor">
-              <a:schemeClr val="tx1"/>
-            </a:fontRef>
-          </p:style>
-        </p:cxnSp>
-        <p:cxnSp>
-          <p:nvCxnSpPr>
-            <p:cNvPr id="71" name="Straight Arrow Connector 70">
-              <a:extLst>
-                <a:ext uri="{FF2B5EF4-FFF2-40B4-BE49-F238E27FC236}">
-                  <a16:creationId xmlns:a16="http://schemas.microsoft.com/office/drawing/2014/main" id="{4AFFA887-63C3-4EE7-BBD6-18D1E3F63BDA}"/>
-                </a:ext>
-              </a:extLst>
-            </p:cNvPr>
-            <p:cNvCxnSpPr>
-              <a:cxnSpLocks/>
-              <a:stCxn id="19" idx="3"/>
-            </p:cNvCxnSpPr>
-            <p:nvPr/>
-          </p:nvCxnSpPr>
-          <p:spPr>
-            <a:xfrm>
-              <a:off x="3762032" y="1523997"/>
-              <a:ext cx="480104" cy="0"/>
-            </a:xfrm>
-            <a:prstGeom prst="straightConnector1">
-              <a:avLst/>
-            </a:prstGeom>
-            <a:ln>
-              <a:tailEnd type="triangle"/>
-            </a:ln>
-          </p:spPr>
-          <p:style>
-            <a:lnRef idx="1">
-              <a:schemeClr val="accent1"/>
-            </a:lnRef>
-            <a:fillRef idx="0">
-              <a:schemeClr val="accent1"/>
-            </a:fillRef>
-            <a:effectRef idx="0">
-              <a:schemeClr val="accent1"/>
-            </a:effectRef>
-            <a:fontRef idx="minor">
-              <a:schemeClr val="tx1"/>
-            </a:fontRef>
-          </p:style>
-        </p:cxnSp>
-        <p:cxnSp>
-          <p:nvCxnSpPr>
-            <p:cNvPr id="77" name="Connector: Elbow 76">
-              <a:extLst>
-                <a:ext uri="{FF2B5EF4-FFF2-40B4-BE49-F238E27FC236}">
-                  <a16:creationId xmlns:a16="http://schemas.microsoft.com/office/drawing/2014/main" id="{C1EA913A-2541-4A36-A4E8-D8ABF59098B9}"/>
-                </a:ext>
-              </a:extLst>
-            </p:cNvPr>
-            <p:cNvCxnSpPr>
-              <a:cxnSpLocks/>
-              <a:stCxn id="20" idx="1"/>
-              <a:endCxn id="28" idx="0"/>
-            </p:cNvCxnSpPr>
-            <p:nvPr/>
-          </p:nvCxnSpPr>
-          <p:spPr>
-            <a:xfrm>
-              <a:off x="8093252" y="1523997"/>
-              <a:ext cx="1166215" cy="321012"/>
-            </a:xfrm>
-            <a:prstGeom prst="bentConnector2">
-              <a:avLst/>
-            </a:prstGeom>
-            <a:ln>
-              <a:tailEnd type="triangle"/>
-            </a:ln>
-          </p:spPr>
-          <p:style>
-            <a:lnRef idx="1">
-              <a:schemeClr val="accent1"/>
-            </a:lnRef>
-            <a:fillRef idx="0">
-              <a:schemeClr val="accent1"/>
-            </a:fillRef>
-            <a:effectRef idx="0">
-              <a:schemeClr val="accent1"/>
-            </a:effectRef>
-            <a:fontRef idx="minor">
-              <a:schemeClr val="tx1"/>
-            </a:fontRef>
-          </p:style>
-        </p:cxnSp>
-        <p:cxnSp>
-          <p:nvCxnSpPr>
-            <p:cNvPr id="80" name="Connector: Elbow 79">
-              <a:extLst>
-                <a:ext uri="{FF2B5EF4-FFF2-40B4-BE49-F238E27FC236}">
-                  <a16:creationId xmlns:a16="http://schemas.microsoft.com/office/drawing/2014/main" id="{F3A6CB87-181D-4978-8FED-6265985B019F}"/>
-                </a:ext>
-              </a:extLst>
-            </p:cNvPr>
-            <p:cNvCxnSpPr>
-              <a:cxnSpLocks/>
-              <a:stCxn id="5" idx="1"/>
-              <a:endCxn id="28" idx="2"/>
-            </p:cNvCxnSpPr>
-            <p:nvPr/>
-          </p:nvCxnSpPr>
-          <p:spPr>
-            <a:xfrm flipV="1">
-              <a:off x="8093252" y="2518045"/>
-              <a:ext cx="1166215" cy="553163"/>
-            </a:xfrm>
-            <a:prstGeom prst="bentConnector2">
-              <a:avLst/>
-            </a:prstGeom>
-            <a:ln>
-              <a:tailEnd type="triangle"/>
-            </a:ln>
-          </p:spPr>
-          <p:style>
-            <a:lnRef idx="1">
-              <a:schemeClr val="accent1"/>
-            </a:lnRef>
-            <a:fillRef idx="0">
-              <a:schemeClr val="accent1"/>
-            </a:fillRef>
-            <a:effectRef idx="0">
-              <a:schemeClr val="accent1"/>
-            </a:effectRef>
-            <a:fontRef idx="minor">
-              <a:schemeClr val="tx1"/>
-            </a:fontRef>
-          </p:style>
-        </p:cxnSp>
-        <p:cxnSp>
-          <p:nvCxnSpPr>
-            <p:cNvPr id="83" name="Connector: Elbow 82">
-              <a:extLst>
-                <a:ext uri="{FF2B5EF4-FFF2-40B4-BE49-F238E27FC236}">
-                  <a16:creationId xmlns:a16="http://schemas.microsoft.com/office/drawing/2014/main" id="{D38238AE-6EF7-4050-896B-C986643B63EB}"/>
-                </a:ext>
-              </a:extLst>
-            </p:cNvPr>
-            <p:cNvCxnSpPr>
-              <a:cxnSpLocks/>
-              <a:stCxn id="27" idx="3"/>
-              <a:endCxn id="29" idx="2"/>
-            </p:cNvCxnSpPr>
-            <p:nvPr/>
-          </p:nvCxnSpPr>
-          <p:spPr>
-            <a:xfrm flipV="1">
-              <a:off x="1546624" y="2518045"/>
-              <a:ext cx="9451794" cy="1314728"/>
-            </a:xfrm>
-            <a:prstGeom prst="bentConnector2">
-              <a:avLst/>
-            </a:prstGeom>
-            <a:ln>
-              <a:tailEnd type="triangle"/>
-            </a:ln>
-          </p:spPr>
-          <p:style>
-            <a:lnRef idx="1">
-              <a:schemeClr val="accent1"/>
-            </a:lnRef>
-            <a:fillRef idx="0">
-              <a:schemeClr val="accent1"/>
-            </a:fillRef>
-            <a:effectRef idx="0">
-              <a:schemeClr val="accent1"/>
-            </a:effectRef>
-            <a:fontRef idx="minor">
-              <a:schemeClr val="tx1"/>
-            </a:fontRef>
-          </p:style>
-        </p:cxnSp>
-        <p:cxnSp>
-          <p:nvCxnSpPr>
-            <p:cNvPr id="88" name="Straight Arrow Connector 87">
-              <a:extLst>
-                <a:ext uri="{FF2B5EF4-FFF2-40B4-BE49-F238E27FC236}">
-                  <a16:creationId xmlns:a16="http://schemas.microsoft.com/office/drawing/2014/main" id="{14CD7417-4503-4974-A49C-5B18EF6BA44B}"/>
-                </a:ext>
-              </a:extLst>
-            </p:cNvPr>
-            <p:cNvCxnSpPr>
-              <a:cxnSpLocks/>
-              <a:stCxn id="28" idx="3"/>
-              <a:endCxn id="29" idx="1"/>
-            </p:cNvCxnSpPr>
-            <p:nvPr/>
-          </p:nvCxnSpPr>
-          <p:spPr>
-            <a:xfrm>
-              <a:off x="9985109" y="2181527"/>
-              <a:ext cx="341240" cy="0"/>
-            </a:xfrm>
-            <a:prstGeom prst="straightConnector1">
-              <a:avLst/>
-            </a:prstGeom>
-            <a:ln>
-              <a:tailEnd type="triangle"/>
-            </a:ln>
-          </p:spPr>
-          <p:style>
-            <a:lnRef idx="1">
-              <a:schemeClr val="accent1"/>
-            </a:lnRef>
-            <a:fillRef idx="0">
-              <a:schemeClr val="accent1"/>
-            </a:fillRef>
-            <a:effectRef idx="0">
-              <a:schemeClr val="accent1"/>
-            </a:effectRef>
-            <a:fontRef idx="minor">
-              <a:schemeClr val="tx1"/>
-            </a:fontRef>
-          </p:style>
-        </p:cxnSp>
-        <p:cxnSp>
-          <p:nvCxnSpPr>
-            <p:cNvPr id="95" name="Straight Arrow Connector 94">
-              <a:extLst>
-                <a:ext uri="{FF2B5EF4-FFF2-40B4-BE49-F238E27FC236}">
-                  <a16:creationId xmlns:a16="http://schemas.microsoft.com/office/drawing/2014/main" id="{4021EA78-4D19-4956-9914-3C7211822775}"/>
-                </a:ext>
-              </a:extLst>
-            </p:cNvPr>
-            <p:cNvCxnSpPr>
-              <a:cxnSpLocks/>
-            </p:cNvCxnSpPr>
-            <p:nvPr/>
-          </p:nvCxnSpPr>
-          <p:spPr>
-            <a:xfrm>
-              <a:off x="11670486" y="2181527"/>
-              <a:ext cx="341240" cy="0"/>
-            </a:xfrm>
-            <a:prstGeom prst="straightConnector1">
-              <a:avLst/>
-            </a:prstGeom>
-            <a:ln>
-              <a:tailEnd type="triangle"/>
-            </a:ln>
-          </p:spPr>
-          <p:style>
-            <a:lnRef idx="1">
-              <a:schemeClr val="accent1"/>
-            </a:lnRef>
-            <a:fillRef idx="0">
-              <a:schemeClr val="accent1"/>
-            </a:fillRef>
-            <a:effectRef idx="0">
-              <a:schemeClr val="accent1"/>
-            </a:effectRef>
-            <a:fontRef idx="minor">
-              <a:schemeClr val="tx1"/>
-            </a:fontRef>
-          </p:style>
-        </p:cxnSp>
-        <p:sp>
-          <p:nvSpPr>
-            <p:cNvPr id="96" name="TextBox 95">
-              <a:extLst>
-                <a:ext uri="{FF2B5EF4-FFF2-40B4-BE49-F238E27FC236}">
-                  <a16:creationId xmlns:a16="http://schemas.microsoft.com/office/drawing/2014/main" id="{87D8346F-8C5E-432F-BC9B-7AB7FAA69785}"/>
-                </a:ext>
-              </a:extLst>
-            </p:cNvPr>
-            <p:cNvSpPr txBox="1"/>
-            <p:nvPr/>
-          </p:nvSpPr>
-          <p:spPr>
-            <a:xfrm>
-              <a:off x="9670841" y="1391593"/>
-              <a:ext cx="1101794" cy="461665"/>
-            </a:xfrm>
-            <a:prstGeom prst="rect">
-              <a:avLst/>
-            </a:prstGeom>
+      </p:grpSp>
+      <p:sp>
+        <p:nvSpPr>
+          <p:cNvPr id="20" name="Flowchart: Multidocument 19">
+            <a:extLst>
+              <a:ext uri="{FF2B5EF4-FFF2-40B4-BE49-F238E27FC236}">
+                <a16:creationId xmlns:a16="http://schemas.microsoft.com/office/drawing/2014/main" id="{EA1E8947-2712-44A4-9ABD-4564FA3C5491}"/>
+              </a:ext>
+            </a:extLst>
+          </p:cNvPr>
+          <p:cNvSpPr/>
+          <p:nvPr/>
+        </p:nvSpPr>
+        <p:spPr>
+          <a:xfrm flipH="1">
+            <a:off x="6580084" y="1009549"/>
+            <a:ext cx="1513168" cy="1028895"/>
+          </a:xfrm>
+          <a:prstGeom prst="flowChartMultidocument">
+            <a:avLst/>
+          </a:prstGeom>
+        </p:spPr>
+        <p:style>
+          <a:lnRef idx="2">
+            <a:schemeClr val="accent2">
+              <a:shade val="50000"/>
+            </a:schemeClr>
+          </a:lnRef>
+          <a:fillRef idx="1">
+            <a:schemeClr val="accent2"/>
+          </a:fillRef>
+          <a:effectRef idx="0">
+            <a:schemeClr val="accent2"/>
+          </a:effectRef>
+          <a:fontRef idx="minor">
+            <a:schemeClr val="lt1"/>
+          </a:fontRef>
+        </p:style>
+        <p:txBody>
+          <a:bodyPr rtlCol="0" anchor="ctr"/>
+          <a:lstStyle/>
+          <a:p>
+            <a:pPr algn="ctr"/>
+            <a:r>
+              <a:rPr lang="en-GB" sz="1600" dirty="0"/>
+              <a:t>Asset event distributions</a:t>
+            </a:r>
+          </a:p>
+        </p:txBody>
+      </p:sp>
+      <p:sp>
+        <p:nvSpPr>
+          <p:cNvPr id="23" name="Flowchart: Magnetic Disk 22">
+            <a:extLst>
+              <a:ext uri="{FF2B5EF4-FFF2-40B4-BE49-F238E27FC236}">
+                <a16:creationId xmlns:a16="http://schemas.microsoft.com/office/drawing/2014/main" id="{205B4254-D0DB-48AF-A1EB-CAB1DC34245F}"/>
+              </a:ext>
+            </a:extLst>
+          </p:cNvPr>
+          <p:cNvSpPr/>
+          <p:nvPr/>
+        </p:nvSpPr>
+        <p:spPr>
+          <a:xfrm>
+            <a:off x="4218465" y="930609"/>
+            <a:ext cx="1311260" cy="914400"/>
+          </a:xfrm>
+          <a:prstGeom prst="flowChartMagneticDisk">
+            <a:avLst/>
+          </a:prstGeom>
+        </p:spPr>
+        <p:style>
+          <a:lnRef idx="2">
+            <a:schemeClr val="accent2">
+              <a:shade val="50000"/>
+            </a:schemeClr>
+          </a:lnRef>
+          <a:fillRef idx="1">
+            <a:schemeClr val="accent2"/>
+          </a:fillRef>
+          <a:effectRef idx="0">
+            <a:schemeClr val="accent2"/>
+          </a:effectRef>
+          <a:fontRef idx="minor">
+            <a:schemeClr val="lt1"/>
+          </a:fontRef>
+        </p:style>
+        <p:txBody>
+          <a:bodyPr rtlCol="0" anchor="ctr"/>
+          <a:lstStyle/>
+          <a:p>
+            <a:pPr algn="ctr"/>
+            <a:r>
+              <a:rPr lang="en-GB" sz="1600" dirty="0"/>
+              <a:t>Hazard data sets</a:t>
+            </a:r>
+          </a:p>
+        </p:txBody>
+      </p:sp>
+      <p:sp>
+        <p:nvSpPr>
+          <p:cNvPr id="24" name="Flowchart: Alternate Process 23">
+            <a:extLst>
+              <a:ext uri="{FF2B5EF4-FFF2-40B4-BE49-F238E27FC236}">
+                <a16:creationId xmlns:a16="http://schemas.microsoft.com/office/drawing/2014/main" id="{13DE1771-CD04-438A-9A9B-339CF6F44307}"/>
+              </a:ext>
+            </a:extLst>
+          </p:cNvPr>
+          <p:cNvSpPr/>
+          <p:nvPr/>
+        </p:nvSpPr>
+        <p:spPr>
+          <a:xfrm>
+            <a:off x="111006" y="531459"/>
+            <a:ext cx="1451284" cy="673036"/>
+          </a:xfrm>
+          <a:prstGeom prst="flowChartAlternateProcess">
+            <a:avLst/>
+          </a:prstGeom>
+        </p:spPr>
+        <p:style>
+          <a:lnRef idx="2">
+            <a:schemeClr val="accent1">
+              <a:shade val="50000"/>
+            </a:schemeClr>
+          </a:lnRef>
+          <a:fillRef idx="1">
+            <a:schemeClr val="accent1"/>
+          </a:fillRef>
+          <a:effectRef idx="0">
+            <a:schemeClr val="accent1"/>
+          </a:effectRef>
+          <a:fontRef idx="minor">
+            <a:schemeClr val="lt1"/>
+          </a:fontRef>
+        </p:style>
+        <p:txBody>
+          <a:bodyPr rtlCol="0" anchor="ctr"/>
+          <a:lstStyle/>
+          <a:p>
+            <a:pPr algn="ctr"/>
+            <a:r>
+              <a:rPr lang="en-GB" dirty="0"/>
+              <a:t>Climate</a:t>
+            </a:r>
+          </a:p>
+        </p:txBody>
+      </p:sp>
+      <p:sp>
+        <p:nvSpPr>
+          <p:cNvPr id="25" name="Flowchart: Alternate Process 24">
+            <a:extLst>
+              <a:ext uri="{FF2B5EF4-FFF2-40B4-BE49-F238E27FC236}">
+                <a16:creationId xmlns:a16="http://schemas.microsoft.com/office/drawing/2014/main" id="{FF5C8377-CD2C-4376-AC37-5E9B8F2A41BB}"/>
+              </a:ext>
+            </a:extLst>
+          </p:cNvPr>
+          <p:cNvSpPr/>
+          <p:nvPr/>
+        </p:nvSpPr>
+        <p:spPr>
+          <a:xfrm>
+            <a:off x="114244" y="1494171"/>
+            <a:ext cx="1451284" cy="673036"/>
+          </a:xfrm>
+          <a:prstGeom prst="flowChartAlternateProcess">
+            <a:avLst/>
+          </a:prstGeom>
+        </p:spPr>
+        <p:style>
+          <a:lnRef idx="2">
+            <a:schemeClr val="accent1">
+              <a:shade val="50000"/>
+            </a:schemeClr>
+          </a:lnRef>
+          <a:fillRef idx="1">
+            <a:schemeClr val="accent1"/>
+          </a:fillRef>
+          <a:effectRef idx="0">
+            <a:schemeClr val="accent1"/>
+          </a:effectRef>
+          <a:fontRef idx="minor">
+            <a:schemeClr val="lt1"/>
+          </a:fontRef>
+        </p:style>
+        <p:txBody>
+          <a:bodyPr rtlCol="0" anchor="ctr"/>
+          <a:lstStyle/>
+          <a:p>
+            <a:pPr algn="ctr"/>
+            <a:r>
+              <a:rPr lang="en-GB" dirty="0"/>
+              <a:t>Land/sea scape</a:t>
+            </a:r>
+          </a:p>
+        </p:txBody>
+      </p:sp>
+      <p:sp>
+        <p:nvSpPr>
+          <p:cNvPr id="27" name="Flowchart: Alternate Process 26">
+            <a:extLst>
+              <a:ext uri="{FF2B5EF4-FFF2-40B4-BE49-F238E27FC236}">
+                <a16:creationId xmlns:a16="http://schemas.microsoft.com/office/drawing/2014/main" id="{CB076805-AF06-470F-9290-39FF79E646B9}"/>
+              </a:ext>
+            </a:extLst>
+          </p:cNvPr>
+          <p:cNvSpPr/>
+          <p:nvPr/>
+        </p:nvSpPr>
+        <p:spPr>
+          <a:xfrm>
+            <a:off x="95340" y="3496255"/>
+            <a:ext cx="1451284" cy="673036"/>
+          </a:xfrm>
+          <a:prstGeom prst="flowChartAlternateProcess">
+            <a:avLst/>
+          </a:prstGeom>
+        </p:spPr>
+        <p:style>
+          <a:lnRef idx="2">
+            <a:schemeClr val="accent1">
+              <a:shade val="50000"/>
+            </a:schemeClr>
+          </a:lnRef>
+          <a:fillRef idx="1">
+            <a:schemeClr val="accent1"/>
+          </a:fillRef>
+          <a:effectRef idx="0">
+            <a:schemeClr val="accent1"/>
+          </a:effectRef>
+          <a:fontRef idx="minor">
+            <a:schemeClr val="lt1"/>
+          </a:fontRef>
+        </p:style>
+        <p:txBody>
+          <a:bodyPr rtlCol="0" anchor="ctr"/>
+          <a:lstStyle/>
+          <a:p>
+            <a:pPr algn="ctr"/>
+            <a:r>
+              <a:rPr lang="en-GB" dirty="0"/>
+              <a:t>Portfolio</a:t>
+            </a:r>
+          </a:p>
+        </p:txBody>
+      </p:sp>
+      <p:sp>
+        <p:nvSpPr>
+          <p:cNvPr id="28" name="Flowchart: Alternate Process 27">
+            <a:extLst>
+              <a:ext uri="{FF2B5EF4-FFF2-40B4-BE49-F238E27FC236}">
+                <a16:creationId xmlns:a16="http://schemas.microsoft.com/office/drawing/2014/main" id="{31171DAB-CB95-406D-83B8-8A1181FE3A36}"/>
+              </a:ext>
+            </a:extLst>
+          </p:cNvPr>
+          <p:cNvSpPr/>
+          <p:nvPr/>
+        </p:nvSpPr>
+        <p:spPr>
+          <a:xfrm>
+            <a:off x="8533825" y="1845009"/>
+            <a:ext cx="1451284" cy="673036"/>
+          </a:xfrm>
+          <a:prstGeom prst="flowChartAlternateProcess">
+            <a:avLst/>
+          </a:prstGeom>
+        </p:spPr>
+        <p:style>
+          <a:lnRef idx="2">
+            <a:schemeClr val="accent6">
+              <a:shade val="50000"/>
+            </a:schemeClr>
+          </a:lnRef>
+          <a:fillRef idx="1">
+            <a:schemeClr val="accent6"/>
+          </a:fillRef>
+          <a:effectRef idx="0">
+            <a:schemeClr val="accent6"/>
+          </a:effectRef>
+          <a:fontRef idx="minor">
+            <a:schemeClr val="lt1"/>
+          </a:fontRef>
+        </p:style>
+        <p:txBody>
+          <a:bodyPr rtlCol="0" anchor="ctr"/>
+          <a:lstStyle/>
+          <a:p>
+            <a:pPr algn="ctr"/>
+            <a:r>
+              <a:rPr lang="en-GB" dirty="0"/>
+              <a:t>Asset impact model</a:t>
+            </a:r>
+          </a:p>
+        </p:txBody>
+      </p:sp>
+      <p:sp>
+        <p:nvSpPr>
+          <p:cNvPr id="29" name="Flowchart: Alternate Process 28">
+            <a:extLst>
+              <a:ext uri="{FF2B5EF4-FFF2-40B4-BE49-F238E27FC236}">
+                <a16:creationId xmlns:a16="http://schemas.microsoft.com/office/drawing/2014/main" id="{BA85A384-70FB-4258-96C5-776BAA236DCE}"/>
+              </a:ext>
+            </a:extLst>
+          </p:cNvPr>
+          <p:cNvSpPr/>
+          <p:nvPr/>
+        </p:nvSpPr>
+        <p:spPr>
+          <a:xfrm>
+            <a:off x="10326349" y="1845009"/>
+            <a:ext cx="1344137" cy="673036"/>
+          </a:xfrm>
+          <a:prstGeom prst="flowChartAlternateProcess">
+            <a:avLst/>
+          </a:prstGeom>
+        </p:spPr>
+        <p:style>
+          <a:lnRef idx="2">
+            <a:schemeClr val="accent6">
+              <a:shade val="50000"/>
+            </a:schemeClr>
+          </a:lnRef>
+          <a:fillRef idx="1">
+            <a:schemeClr val="accent6"/>
+          </a:fillRef>
+          <a:effectRef idx="0">
+            <a:schemeClr val="accent6"/>
+          </a:effectRef>
+          <a:fontRef idx="minor">
+            <a:schemeClr val="lt1"/>
+          </a:fontRef>
+        </p:style>
+        <p:txBody>
+          <a:bodyPr rtlCol="0" anchor="ctr"/>
+          <a:lstStyle/>
+          <a:p>
+            <a:pPr algn="ctr"/>
+            <a:r>
+              <a:rPr lang="en-GB" dirty="0"/>
+              <a:t>Risk model</a:t>
+            </a:r>
+          </a:p>
+        </p:txBody>
+      </p:sp>
+      <p:cxnSp>
+        <p:nvCxnSpPr>
+          <p:cNvPr id="31" name="Connector: Elbow 30">
+            <a:extLst>
+              <a:ext uri="{FF2B5EF4-FFF2-40B4-BE49-F238E27FC236}">
+                <a16:creationId xmlns:a16="http://schemas.microsoft.com/office/drawing/2014/main" id="{086029A3-E051-4628-BA5A-7C4368B0ED3E}"/>
+              </a:ext>
+            </a:extLst>
+          </p:cNvPr>
+          <p:cNvCxnSpPr>
+            <a:cxnSpLocks/>
+            <a:stCxn id="24" idx="3"/>
+            <a:endCxn id="17" idx="1"/>
+          </p:cNvCxnSpPr>
+          <p:nvPr/>
+        </p:nvCxnSpPr>
+        <p:spPr>
+          <a:xfrm>
+            <a:off x="1562290" y="867977"/>
+            <a:ext cx="583682" cy="351220"/>
+          </a:xfrm>
+          <a:prstGeom prst="bentConnector3">
+            <a:avLst/>
+          </a:prstGeom>
+          <a:ln>
+            <a:tailEnd type="triangle"/>
+          </a:ln>
+        </p:spPr>
+        <p:style>
+          <a:lnRef idx="1">
+            <a:schemeClr val="accent1"/>
+          </a:lnRef>
+          <a:fillRef idx="0">
+            <a:schemeClr val="accent1"/>
+          </a:fillRef>
+          <a:effectRef idx="0">
+            <a:schemeClr val="accent1"/>
+          </a:effectRef>
+          <a:fontRef idx="minor">
+            <a:schemeClr val="tx1"/>
+          </a:fontRef>
+        </p:style>
+      </p:cxnSp>
+      <p:cxnSp>
+        <p:nvCxnSpPr>
+          <p:cNvPr id="37" name="Connector: Elbow 36">
+            <a:extLst>
+              <a:ext uri="{FF2B5EF4-FFF2-40B4-BE49-F238E27FC236}">
+                <a16:creationId xmlns:a16="http://schemas.microsoft.com/office/drawing/2014/main" id="{0A5DD7A4-0A82-42E4-9328-288C2E0E68BF}"/>
+              </a:ext>
+            </a:extLst>
+          </p:cNvPr>
+          <p:cNvCxnSpPr>
+            <a:cxnSpLocks/>
+            <a:stCxn id="25" idx="3"/>
+            <a:endCxn id="17" idx="1"/>
+          </p:cNvCxnSpPr>
+          <p:nvPr/>
+        </p:nvCxnSpPr>
+        <p:spPr>
+          <a:xfrm flipV="1">
+            <a:off x="1565528" y="1219197"/>
+            <a:ext cx="580444" cy="611492"/>
+          </a:xfrm>
+          <a:prstGeom prst="bentConnector3">
+            <a:avLst/>
+          </a:prstGeom>
+          <a:ln>
+            <a:tailEnd type="triangle"/>
+          </a:ln>
+        </p:spPr>
+        <p:style>
+          <a:lnRef idx="1">
+            <a:schemeClr val="accent1"/>
+          </a:lnRef>
+          <a:fillRef idx="0">
+            <a:schemeClr val="accent1"/>
+          </a:fillRef>
+          <a:effectRef idx="0">
+            <a:schemeClr val="accent1"/>
+          </a:effectRef>
+          <a:fontRef idx="minor">
+            <a:schemeClr val="tx1"/>
+          </a:fontRef>
+        </p:style>
+      </p:cxnSp>
+      <p:sp>
+        <p:nvSpPr>
+          <p:cNvPr id="47" name="Flowchart: Alternate Process 46">
+            <a:extLst>
+              <a:ext uri="{FF2B5EF4-FFF2-40B4-BE49-F238E27FC236}">
+                <a16:creationId xmlns:a16="http://schemas.microsoft.com/office/drawing/2014/main" id="{F4E26D8A-005E-483D-A235-C5B506A041A1}"/>
+              </a:ext>
+            </a:extLst>
+          </p:cNvPr>
+          <p:cNvSpPr/>
+          <p:nvPr/>
+        </p:nvSpPr>
+        <p:spPr>
+          <a:xfrm>
+            <a:off x="122332" y="2485886"/>
+            <a:ext cx="1451284" cy="673036"/>
+          </a:xfrm>
+          <a:prstGeom prst="flowChartAlternateProcess">
+            <a:avLst/>
+          </a:prstGeom>
+        </p:spPr>
+        <p:style>
+          <a:lnRef idx="2">
+            <a:schemeClr val="accent1">
+              <a:shade val="50000"/>
+            </a:schemeClr>
+          </a:lnRef>
+          <a:fillRef idx="1">
+            <a:schemeClr val="accent1"/>
+          </a:fillRef>
+          <a:effectRef idx="0">
+            <a:schemeClr val="accent1"/>
+          </a:effectRef>
+          <a:fontRef idx="minor">
+            <a:schemeClr val="lt1"/>
+          </a:fontRef>
+        </p:style>
+        <p:txBody>
+          <a:bodyPr rtlCol="0" anchor="ctr"/>
+          <a:lstStyle/>
+          <a:p>
+            <a:pPr algn="ctr"/>
+            <a:r>
+              <a:rPr lang="en-GB" dirty="0"/>
+              <a:t>Assets</a:t>
+            </a:r>
+          </a:p>
+        </p:txBody>
+      </p:sp>
+      <p:cxnSp>
+        <p:nvCxnSpPr>
+          <p:cNvPr id="49" name="Connector: Elbow 48">
+            <a:extLst>
+              <a:ext uri="{FF2B5EF4-FFF2-40B4-BE49-F238E27FC236}">
+                <a16:creationId xmlns:a16="http://schemas.microsoft.com/office/drawing/2014/main" id="{C3F93D81-5770-4363-BE04-F18051775877}"/>
+              </a:ext>
+            </a:extLst>
+          </p:cNvPr>
+          <p:cNvCxnSpPr>
+            <a:cxnSpLocks/>
+            <a:endCxn id="14" idx="1"/>
+          </p:cNvCxnSpPr>
+          <p:nvPr/>
+        </p:nvCxnSpPr>
+        <p:spPr>
+          <a:xfrm>
+            <a:off x="1584735" y="2663942"/>
+            <a:ext cx="2795987" cy="170152"/>
+          </a:xfrm>
+          <a:prstGeom prst="bentConnector3">
+            <a:avLst>
+              <a:gd name="adj1" fmla="val 50000"/>
+            </a:avLst>
+          </a:prstGeom>
+          <a:ln>
+            <a:tailEnd type="triangle"/>
+          </a:ln>
+        </p:spPr>
+        <p:style>
+          <a:lnRef idx="1">
+            <a:schemeClr val="accent1"/>
+          </a:lnRef>
+          <a:fillRef idx="0">
+            <a:schemeClr val="accent1"/>
+          </a:fillRef>
+          <a:effectRef idx="0">
+            <a:schemeClr val="accent1"/>
+          </a:effectRef>
+          <a:fontRef idx="minor">
+            <a:schemeClr val="tx1"/>
+          </a:fontRef>
+        </p:style>
+      </p:cxnSp>
+      <p:cxnSp>
+        <p:nvCxnSpPr>
+          <p:cNvPr id="50" name="Connector: Elbow 49">
+            <a:extLst>
+              <a:ext uri="{FF2B5EF4-FFF2-40B4-BE49-F238E27FC236}">
+                <a16:creationId xmlns:a16="http://schemas.microsoft.com/office/drawing/2014/main" id="{E4768427-380E-47C7-8E8F-6637FBB1D19B}"/>
+              </a:ext>
+            </a:extLst>
+          </p:cNvPr>
+          <p:cNvCxnSpPr>
+            <a:cxnSpLocks/>
+          </p:cNvCxnSpPr>
+          <p:nvPr/>
+        </p:nvCxnSpPr>
+        <p:spPr>
+          <a:xfrm flipV="1">
+            <a:off x="1582465" y="2936995"/>
+            <a:ext cx="2789408" cy="61530"/>
+          </a:xfrm>
+          <a:prstGeom prst="bentConnector3">
+            <a:avLst>
+              <a:gd name="adj1" fmla="val 50000"/>
+            </a:avLst>
+          </a:prstGeom>
+          <a:ln>
+            <a:tailEnd type="triangle"/>
+          </a:ln>
+        </p:spPr>
+        <p:style>
+          <a:lnRef idx="1">
+            <a:schemeClr val="accent1"/>
+          </a:lnRef>
+          <a:fillRef idx="0">
+            <a:schemeClr val="accent1"/>
+          </a:fillRef>
+          <a:effectRef idx="0">
+            <a:schemeClr val="accent1"/>
+          </a:effectRef>
+          <a:fontRef idx="minor">
+            <a:schemeClr val="tx1"/>
+          </a:fontRef>
+        </p:style>
+      </p:cxnSp>
+      <p:sp>
+        <p:nvSpPr>
+          <p:cNvPr id="52" name="TextBox 51">
+            <a:extLst>
+              <a:ext uri="{FF2B5EF4-FFF2-40B4-BE49-F238E27FC236}">
+                <a16:creationId xmlns:a16="http://schemas.microsoft.com/office/drawing/2014/main" id="{EDC98451-1646-4EF6-A6CE-C9FF61FCF4A6}"/>
+              </a:ext>
+            </a:extLst>
+          </p:cNvPr>
+          <p:cNvSpPr txBox="1"/>
+          <p:nvPr/>
+        </p:nvSpPr>
+        <p:spPr>
+          <a:xfrm>
+            <a:off x="2182139" y="3058606"/>
+            <a:ext cx="1675630" cy="461665"/>
+          </a:xfrm>
+          <a:prstGeom prst="rect">
+            <a:avLst/>
+          </a:prstGeom>
+          <a:noFill/>
+        </p:spPr>
+        <p:txBody>
+          <a:bodyPr wrap="square" rtlCol="0">
+            <a:spAutoFit/>
+          </a:bodyPr>
+          <a:lstStyle/>
+          <a:p>
+            <a:r>
+              <a:rPr lang="en-GB" sz="1200" dirty="0">
+                <a:ln w="0"/>
+                <a:solidFill>
+                  <a:schemeClr val="accent1"/>
+                </a:solidFill>
+                <a:effectLst>
+                  <a:outerShdw blurRad="38100" dist="25400" dir="5400000" algn="ctr" rotWithShape="0">
+                    <a:srgbClr val="6E747A">
+                      <a:alpha val="43000"/>
+                    </a:srgbClr>
+                  </a:outerShdw>
+                </a:effectLst>
+              </a:rPr>
+              <a:t>Asset vulnerabilities (corporate disclosure</a:t>
+            </a:r>
+            <a:r>
+              <a:rPr lang="en-GB" sz="1200" dirty="0"/>
+              <a:t>)</a:t>
+            </a:r>
+          </a:p>
+        </p:txBody>
+      </p:sp>
+      <p:sp>
+        <p:nvSpPr>
+          <p:cNvPr id="53" name="TextBox 52">
+            <a:extLst>
+              <a:ext uri="{FF2B5EF4-FFF2-40B4-BE49-F238E27FC236}">
+                <a16:creationId xmlns:a16="http://schemas.microsoft.com/office/drawing/2014/main" id="{40C7D0C1-9630-467B-BE79-1AC9A5467AF1}"/>
+              </a:ext>
+            </a:extLst>
+          </p:cNvPr>
+          <p:cNvSpPr txBox="1"/>
+          <p:nvPr/>
+        </p:nvSpPr>
+        <p:spPr>
+          <a:xfrm>
+            <a:off x="1904134" y="2373042"/>
+            <a:ext cx="1675630" cy="276999"/>
+          </a:xfrm>
+          <a:prstGeom prst="rect">
+            <a:avLst/>
+          </a:prstGeom>
+          <a:noFill/>
+        </p:spPr>
+        <p:txBody>
+          <a:bodyPr wrap="square" rtlCol="0">
+            <a:spAutoFit/>
+          </a:bodyPr>
+          <a:lstStyle/>
+          <a:p>
+            <a:r>
+              <a:rPr lang="en-GB" sz="1200" dirty="0">
+                <a:ln w="0"/>
+                <a:solidFill>
+                  <a:schemeClr val="accent1"/>
+                </a:solidFill>
+                <a:effectLst>
+                  <a:outerShdw blurRad="38100" dist="25400" dir="5400000" algn="ctr" rotWithShape="0">
+                    <a:srgbClr val="6E747A">
+                      <a:alpha val="43000"/>
+                    </a:srgbClr>
+                  </a:outerShdw>
+                </a:effectLst>
+              </a:rPr>
+              <a:t>Geolocation; types</a:t>
+            </a:r>
+            <a:endParaRPr lang="en-GB" sz="1200" dirty="0"/>
+          </a:p>
+        </p:txBody>
+      </p:sp>
+      <p:cxnSp>
+        <p:nvCxnSpPr>
+          <p:cNvPr id="61" name="Connector: Elbow 60">
+            <a:extLst>
+              <a:ext uri="{FF2B5EF4-FFF2-40B4-BE49-F238E27FC236}">
+                <a16:creationId xmlns:a16="http://schemas.microsoft.com/office/drawing/2014/main" id="{FF205D48-01DB-49CA-A2E5-1351FCC1930C}"/>
+              </a:ext>
+            </a:extLst>
+          </p:cNvPr>
+          <p:cNvCxnSpPr>
+            <a:cxnSpLocks/>
+            <a:endCxn id="20" idx="3"/>
+          </p:cNvCxnSpPr>
+          <p:nvPr/>
+        </p:nvCxnSpPr>
+        <p:spPr>
+          <a:xfrm rot="5400000" flipH="1" flipV="1">
+            <a:off x="5557693" y="1976134"/>
+            <a:ext cx="1474527" cy="570255"/>
+          </a:xfrm>
+          <a:prstGeom prst="bentConnector2">
+            <a:avLst/>
+          </a:prstGeom>
+          <a:ln>
+            <a:tailEnd type="triangle"/>
+          </a:ln>
+        </p:spPr>
+        <p:style>
+          <a:lnRef idx="1">
+            <a:schemeClr val="accent1"/>
+          </a:lnRef>
+          <a:fillRef idx="0">
+            <a:schemeClr val="accent1"/>
+          </a:fillRef>
+          <a:effectRef idx="0">
+            <a:schemeClr val="accent1"/>
+          </a:effectRef>
+          <a:fontRef idx="minor">
+            <a:schemeClr val="tx1"/>
+          </a:fontRef>
+        </p:style>
+      </p:cxnSp>
+      <p:cxnSp>
+        <p:nvCxnSpPr>
+          <p:cNvPr id="67" name="Connector: Elbow 66">
+            <a:extLst>
+              <a:ext uri="{FF2B5EF4-FFF2-40B4-BE49-F238E27FC236}">
+                <a16:creationId xmlns:a16="http://schemas.microsoft.com/office/drawing/2014/main" id="{63548956-BCBD-4012-A783-349736B740F2}"/>
+              </a:ext>
+            </a:extLst>
+          </p:cNvPr>
+          <p:cNvCxnSpPr>
+            <a:cxnSpLocks/>
+            <a:endCxn id="5" idx="3"/>
+          </p:cNvCxnSpPr>
+          <p:nvPr/>
+        </p:nvCxnSpPr>
+        <p:spPr>
+          <a:xfrm flipV="1">
+            <a:off x="6009827" y="3071208"/>
+            <a:ext cx="570257" cy="39098"/>
+          </a:xfrm>
+          <a:prstGeom prst="bentConnector3">
+            <a:avLst>
+              <a:gd name="adj1" fmla="val 50000"/>
+            </a:avLst>
+          </a:prstGeom>
+          <a:ln>
+            <a:tailEnd type="triangle"/>
+          </a:ln>
+        </p:spPr>
+        <p:style>
+          <a:lnRef idx="1">
+            <a:schemeClr val="accent1"/>
+          </a:lnRef>
+          <a:fillRef idx="0">
+            <a:schemeClr val="accent1"/>
+          </a:fillRef>
+          <a:effectRef idx="0">
+            <a:schemeClr val="accent1"/>
+          </a:effectRef>
+          <a:fontRef idx="minor">
+            <a:schemeClr val="tx1"/>
+          </a:fontRef>
+        </p:style>
+      </p:cxnSp>
+      <p:cxnSp>
+        <p:nvCxnSpPr>
+          <p:cNvPr id="70" name="Straight Arrow Connector 69">
+            <a:extLst>
+              <a:ext uri="{FF2B5EF4-FFF2-40B4-BE49-F238E27FC236}">
+                <a16:creationId xmlns:a16="http://schemas.microsoft.com/office/drawing/2014/main" id="{B2A1E180-9020-43FB-98C7-C82DB605DB62}"/>
+              </a:ext>
+            </a:extLst>
+          </p:cNvPr>
+          <p:cNvCxnSpPr>
+            <a:stCxn id="23" idx="3"/>
+          </p:cNvCxnSpPr>
+          <p:nvPr/>
+        </p:nvCxnSpPr>
+        <p:spPr>
+          <a:xfrm>
+            <a:off x="4874095" y="1845009"/>
+            <a:ext cx="0" cy="627037"/>
+          </a:xfrm>
+          <a:prstGeom prst="straightConnector1">
+            <a:avLst/>
+          </a:prstGeom>
+          <a:ln>
+            <a:tailEnd type="triangle"/>
+          </a:ln>
+        </p:spPr>
+        <p:style>
+          <a:lnRef idx="1">
+            <a:schemeClr val="accent1"/>
+          </a:lnRef>
+          <a:fillRef idx="0">
+            <a:schemeClr val="accent1"/>
+          </a:fillRef>
+          <a:effectRef idx="0">
+            <a:schemeClr val="accent1"/>
+          </a:effectRef>
+          <a:fontRef idx="minor">
+            <a:schemeClr val="tx1"/>
+          </a:fontRef>
+        </p:style>
+      </p:cxnSp>
+      <p:cxnSp>
+        <p:nvCxnSpPr>
+          <p:cNvPr id="71" name="Straight Arrow Connector 70">
+            <a:extLst>
+              <a:ext uri="{FF2B5EF4-FFF2-40B4-BE49-F238E27FC236}">
+                <a16:creationId xmlns:a16="http://schemas.microsoft.com/office/drawing/2014/main" id="{4AFFA887-63C3-4EE7-BBD6-18D1E3F63BDA}"/>
+              </a:ext>
+            </a:extLst>
+          </p:cNvPr>
+          <p:cNvCxnSpPr>
+            <a:cxnSpLocks/>
+            <a:stCxn id="19" idx="3"/>
+          </p:cNvCxnSpPr>
+          <p:nvPr/>
+        </p:nvCxnSpPr>
+        <p:spPr>
+          <a:xfrm>
+            <a:off x="3762032" y="1523997"/>
+            <a:ext cx="480104" cy="0"/>
+          </a:xfrm>
+          <a:prstGeom prst="straightConnector1">
+            <a:avLst/>
+          </a:prstGeom>
+          <a:ln>
+            <a:tailEnd type="triangle"/>
+          </a:ln>
+        </p:spPr>
+        <p:style>
+          <a:lnRef idx="1">
+            <a:schemeClr val="accent1"/>
+          </a:lnRef>
+          <a:fillRef idx="0">
+            <a:schemeClr val="accent1"/>
+          </a:fillRef>
+          <a:effectRef idx="0">
+            <a:schemeClr val="accent1"/>
+          </a:effectRef>
+          <a:fontRef idx="minor">
+            <a:schemeClr val="tx1"/>
+          </a:fontRef>
+        </p:style>
+      </p:cxnSp>
+      <p:cxnSp>
+        <p:nvCxnSpPr>
+          <p:cNvPr id="77" name="Connector: Elbow 76">
+            <a:extLst>
+              <a:ext uri="{FF2B5EF4-FFF2-40B4-BE49-F238E27FC236}">
+                <a16:creationId xmlns:a16="http://schemas.microsoft.com/office/drawing/2014/main" id="{C1EA913A-2541-4A36-A4E8-D8ABF59098B9}"/>
+              </a:ext>
+            </a:extLst>
+          </p:cNvPr>
+          <p:cNvCxnSpPr>
+            <a:cxnSpLocks/>
+            <a:stCxn id="20" idx="1"/>
+            <a:endCxn id="28" idx="0"/>
+          </p:cNvCxnSpPr>
+          <p:nvPr/>
+        </p:nvCxnSpPr>
+        <p:spPr>
+          <a:xfrm>
+            <a:off x="8093252" y="1523997"/>
+            <a:ext cx="1166215" cy="321012"/>
+          </a:xfrm>
+          <a:prstGeom prst="bentConnector2">
+            <a:avLst/>
+          </a:prstGeom>
+          <a:ln>
+            <a:tailEnd type="triangle"/>
+          </a:ln>
+        </p:spPr>
+        <p:style>
+          <a:lnRef idx="1">
+            <a:schemeClr val="accent1"/>
+          </a:lnRef>
+          <a:fillRef idx="0">
+            <a:schemeClr val="accent1"/>
+          </a:fillRef>
+          <a:effectRef idx="0">
+            <a:schemeClr val="accent1"/>
+          </a:effectRef>
+          <a:fontRef idx="minor">
+            <a:schemeClr val="tx1"/>
+          </a:fontRef>
+        </p:style>
+      </p:cxnSp>
+      <p:cxnSp>
+        <p:nvCxnSpPr>
+          <p:cNvPr id="80" name="Connector: Elbow 79">
+            <a:extLst>
+              <a:ext uri="{FF2B5EF4-FFF2-40B4-BE49-F238E27FC236}">
+                <a16:creationId xmlns:a16="http://schemas.microsoft.com/office/drawing/2014/main" id="{F3A6CB87-181D-4978-8FED-6265985B019F}"/>
+              </a:ext>
+            </a:extLst>
+          </p:cNvPr>
+          <p:cNvCxnSpPr>
+            <a:cxnSpLocks/>
+            <a:stCxn id="5" idx="1"/>
+            <a:endCxn id="28" idx="2"/>
+          </p:cNvCxnSpPr>
+          <p:nvPr/>
+        </p:nvCxnSpPr>
+        <p:spPr>
+          <a:xfrm flipV="1">
+            <a:off x="8093252" y="2518045"/>
+            <a:ext cx="1166215" cy="553163"/>
+          </a:xfrm>
+          <a:prstGeom prst="bentConnector2">
+            <a:avLst/>
+          </a:prstGeom>
+          <a:ln>
+            <a:tailEnd type="triangle"/>
+          </a:ln>
+        </p:spPr>
+        <p:style>
+          <a:lnRef idx="1">
+            <a:schemeClr val="accent1"/>
+          </a:lnRef>
+          <a:fillRef idx="0">
+            <a:schemeClr val="accent1"/>
+          </a:fillRef>
+          <a:effectRef idx="0">
+            <a:schemeClr val="accent1"/>
+          </a:effectRef>
+          <a:fontRef idx="minor">
+            <a:schemeClr val="tx1"/>
+          </a:fontRef>
+        </p:style>
+      </p:cxnSp>
+      <p:cxnSp>
+        <p:nvCxnSpPr>
+          <p:cNvPr id="83" name="Connector: Elbow 82">
+            <a:extLst>
+              <a:ext uri="{FF2B5EF4-FFF2-40B4-BE49-F238E27FC236}">
+                <a16:creationId xmlns:a16="http://schemas.microsoft.com/office/drawing/2014/main" id="{D38238AE-6EF7-4050-896B-C986643B63EB}"/>
+              </a:ext>
+            </a:extLst>
+          </p:cNvPr>
+          <p:cNvCxnSpPr>
+            <a:cxnSpLocks/>
+            <a:stCxn id="27" idx="3"/>
+            <a:endCxn id="29" idx="2"/>
+          </p:cNvCxnSpPr>
+          <p:nvPr/>
+        </p:nvCxnSpPr>
+        <p:spPr>
+          <a:xfrm flipV="1">
+            <a:off x="1546624" y="2518045"/>
+            <a:ext cx="9451794" cy="1314728"/>
+          </a:xfrm>
+          <a:prstGeom prst="bentConnector2">
+            <a:avLst/>
+          </a:prstGeom>
+          <a:ln>
+            <a:tailEnd type="triangle"/>
+          </a:ln>
+        </p:spPr>
+        <p:style>
+          <a:lnRef idx="1">
+            <a:schemeClr val="accent1"/>
+          </a:lnRef>
+          <a:fillRef idx="0">
+            <a:schemeClr val="accent1"/>
+          </a:fillRef>
+          <a:effectRef idx="0">
+            <a:schemeClr val="accent1"/>
+          </a:effectRef>
+          <a:fontRef idx="minor">
+            <a:schemeClr val="tx1"/>
+          </a:fontRef>
+        </p:style>
+      </p:cxnSp>
+      <p:cxnSp>
+        <p:nvCxnSpPr>
+          <p:cNvPr id="88" name="Straight Arrow Connector 87">
+            <a:extLst>
+              <a:ext uri="{FF2B5EF4-FFF2-40B4-BE49-F238E27FC236}">
+                <a16:creationId xmlns:a16="http://schemas.microsoft.com/office/drawing/2014/main" id="{14CD7417-4503-4974-A49C-5B18EF6BA44B}"/>
+              </a:ext>
+            </a:extLst>
+          </p:cNvPr>
+          <p:cNvCxnSpPr>
+            <a:cxnSpLocks/>
+            <a:stCxn id="28" idx="3"/>
+            <a:endCxn id="29" idx="1"/>
+          </p:cNvCxnSpPr>
+          <p:nvPr/>
+        </p:nvCxnSpPr>
+        <p:spPr>
+          <a:xfrm>
+            <a:off x="9985109" y="2181527"/>
+            <a:ext cx="341240" cy="0"/>
+          </a:xfrm>
+          <a:prstGeom prst="straightConnector1">
+            <a:avLst/>
+          </a:prstGeom>
+          <a:ln>
+            <a:tailEnd type="triangle"/>
+          </a:ln>
+        </p:spPr>
+        <p:style>
+          <a:lnRef idx="1">
+            <a:schemeClr val="accent1"/>
+          </a:lnRef>
+          <a:fillRef idx="0">
+            <a:schemeClr val="accent1"/>
+          </a:fillRef>
+          <a:effectRef idx="0">
+            <a:schemeClr val="accent1"/>
+          </a:effectRef>
+          <a:fontRef idx="minor">
+            <a:schemeClr val="tx1"/>
+          </a:fontRef>
+        </p:style>
+      </p:cxnSp>
+      <p:cxnSp>
+        <p:nvCxnSpPr>
+          <p:cNvPr id="95" name="Straight Arrow Connector 94">
+            <a:extLst>
+              <a:ext uri="{FF2B5EF4-FFF2-40B4-BE49-F238E27FC236}">
+                <a16:creationId xmlns:a16="http://schemas.microsoft.com/office/drawing/2014/main" id="{4021EA78-4D19-4956-9914-3C7211822775}"/>
+              </a:ext>
+            </a:extLst>
+          </p:cNvPr>
+          <p:cNvCxnSpPr>
+            <a:cxnSpLocks/>
+          </p:cNvCxnSpPr>
+          <p:nvPr/>
+        </p:nvCxnSpPr>
+        <p:spPr>
+          <a:xfrm>
+            <a:off x="11670486" y="2181527"/>
+            <a:ext cx="341240" cy="0"/>
+          </a:xfrm>
+          <a:prstGeom prst="straightConnector1">
+            <a:avLst/>
+          </a:prstGeom>
+          <a:ln>
+            <a:tailEnd type="triangle"/>
+          </a:ln>
+        </p:spPr>
+        <p:style>
+          <a:lnRef idx="1">
+            <a:schemeClr val="accent1"/>
+          </a:lnRef>
+          <a:fillRef idx="0">
+            <a:schemeClr val="accent1"/>
+          </a:fillRef>
+          <a:effectRef idx="0">
+            <a:schemeClr val="accent1"/>
+          </a:effectRef>
+          <a:fontRef idx="minor">
+            <a:schemeClr val="tx1"/>
+          </a:fontRef>
+        </p:style>
+      </p:cxnSp>
+      <p:sp>
+        <p:nvSpPr>
+          <p:cNvPr id="96" name="TextBox 95">
+            <a:extLst>
+              <a:ext uri="{FF2B5EF4-FFF2-40B4-BE49-F238E27FC236}">
+                <a16:creationId xmlns:a16="http://schemas.microsoft.com/office/drawing/2014/main" id="{87D8346F-8C5E-432F-BC9B-7AB7FAA69785}"/>
+              </a:ext>
+            </a:extLst>
+          </p:cNvPr>
+          <p:cNvSpPr txBox="1"/>
+          <p:nvPr/>
+        </p:nvSpPr>
+        <p:spPr>
+          <a:xfrm>
+            <a:off x="9741228" y="1309817"/>
+            <a:ext cx="1008755" cy="461665"/>
+          </a:xfrm>
+          <a:prstGeom prst="rect">
+            <a:avLst/>
+          </a:prstGeom>
+          <a:solidFill>
+            <a:schemeClr val="accent1">
+              <a:lumMod val="40000"/>
+              <a:lumOff val="60000"/>
+              <a:alpha val="0"/>
+            </a:schemeClr>
+          </a:solidFill>
+          <a:ln>
             <a:noFill/>
-          </p:spPr>
-          <p:txBody>
-            <a:bodyPr wrap="square" rtlCol="0">
-              <a:spAutoFit/>
-            </a:bodyPr>
-            <a:lstStyle/>
-            <a:p>
-              <a:r>
-                <a:rPr lang="en-GB" sz="1200" dirty="0">
-                  <a:ln w="0"/>
-                  <a:solidFill>
-                    <a:schemeClr val="accent1"/>
-                  </a:solidFill>
-                  <a:effectLst>
-                    <a:outerShdw blurRad="38100" dist="25400" dir="5400000" algn="ctr" rotWithShape="0">
-                      <a:srgbClr val="6E747A">
-                        <a:alpha val="43000"/>
-                      </a:srgbClr>
-                    </a:outerShdw>
-                  </a:effectLst>
-                </a:rPr>
-                <a:t>Asset impact distributions</a:t>
-              </a:r>
-              <a:endParaRPr lang="en-GB" sz="1200" dirty="0"/>
-            </a:p>
-          </p:txBody>
-        </p:sp>
-        <p:cxnSp>
-          <p:nvCxnSpPr>
-            <p:cNvPr id="102" name="Connector: Elbow 101">
-              <a:extLst>
-                <a:ext uri="{FF2B5EF4-FFF2-40B4-BE49-F238E27FC236}">
-                  <a16:creationId xmlns:a16="http://schemas.microsoft.com/office/drawing/2014/main" id="{2F16FADB-76D8-45A5-B0BB-B8866C7441A4}"/>
-                </a:ext>
-              </a:extLst>
-            </p:cNvPr>
-            <p:cNvCxnSpPr>
-              <a:cxnSpLocks/>
-            </p:cNvCxnSpPr>
-            <p:nvPr/>
-          </p:nvCxnSpPr>
-          <p:spPr>
-            <a:xfrm>
-              <a:off x="1180481" y="3073331"/>
-              <a:ext cx="1358488" cy="758627"/>
-            </a:xfrm>
-            <a:prstGeom prst="bentConnector3">
-              <a:avLst/>
-            </a:prstGeom>
-            <a:ln>
-              <a:tailEnd type="triangle"/>
-            </a:ln>
-          </p:spPr>
-          <p:style>
-            <a:lnRef idx="1">
-              <a:schemeClr val="accent1"/>
-            </a:lnRef>
-            <a:fillRef idx="0">
-              <a:schemeClr val="accent1"/>
-            </a:fillRef>
-            <a:effectRef idx="0">
-              <a:schemeClr val="accent1"/>
-            </a:effectRef>
-            <a:fontRef idx="minor">
-              <a:schemeClr val="tx1"/>
-            </a:fontRef>
-          </p:style>
-        </p:cxnSp>
-      </p:grpSp>
+          </a:ln>
+        </p:spPr>
+        <p:txBody>
+          <a:bodyPr wrap="square" rtlCol="0">
+            <a:spAutoFit/>
+          </a:bodyPr>
+          <a:lstStyle/>
+          <a:p>
+            <a:r>
+              <a:rPr lang="en-GB" sz="1200" dirty="0">
+                <a:ln w="0"/>
+                <a:solidFill>
+                  <a:schemeClr val="accent1"/>
+                </a:solidFill>
+                <a:effectLst>
+                  <a:outerShdw blurRad="38100" dist="25400" dir="5400000" algn="ctr" rotWithShape="0">
+                    <a:srgbClr val="6E747A">
+                      <a:alpha val="43000"/>
+                    </a:srgbClr>
+                  </a:outerShdw>
+                </a:effectLst>
+              </a:rPr>
+              <a:t>Asset impact distributions</a:t>
+            </a:r>
+            <a:endParaRPr lang="en-GB" sz="1200" dirty="0"/>
+          </a:p>
+        </p:txBody>
+      </p:sp>
+      <p:cxnSp>
+        <p:nvCxnSpPr>
+          <p:cNvPr id="102" name="Connector: Elbow 101">
+            <a:extLst>
+              <a:ext uri="{FF2B5EF4-FFF2-40B4-BE49-F238E27FC236}">
+                <a16:creationId xmlns:a16="http://schemas.microsoft.com/office/drawing/2014/main" id="{2F16FADB-76D8-45A5-B0BB-B8866C7441A4}"/>
+              </a:ext>
+            </a:extLst>
+          </p:cNvPr>
+          <p:cNvCxnSpPr>
+            <a:cxnSpLocks/>
+          </p:cNvCxnSpPr>
+          <p:nvPr/>
+        </p:nvCxnSpPr>
+        <p:spPr>
+          <a:xfrm>
+            <a:off x="1180481" y="3073331"/>
+            <a:ext cx="1358488" cy="758627"/>
+          </a:xfrm>
+          <a:prstGeom prst="bentConnector3">
+            <a:avLst/>
+          </a:prstGeom>
+          <a:ln>
+            <a:tailEnd type="triangle"/>
+          </a:ln>
+        </p:spPr>
+        <p:style>
+          <a:lnRef idx="1">
+            <a:schemeClr val="accent1"/>
+          </a:lnRef>
+          <a:fillRef idx="0">
+            <a:schemeClr val="accent1"/>
+          </a:fillRef>
+          <a:effectRef idx="0">
+            <a:schemeClr val="accent1"/>
+          </a:effectRef>
+          <a:fontRef idx="minor">
+            <a:schemeClr val="tx1"/>
+          </a:fontRef>
+        </p:style>
+      </p:cxnSp>
+      <p:sp>
+        <p:nvSpPr>
+          <p:cNvPr id="44" name="TextBox 43">
+            <a:extLst>
+              <a:ext uri="{FF2B5EF4-FFF2-40B4-BE49-F238E27FC236}">
+                <a16:creationId xmlns:a16="http://schemas.microsoft.com/office/drawing/2014/main" id="{7681B93D-64E3-49B9-9A6B-C2858885C69C}"/>
+              </a:ext>
+            </a:extLst>
+          </p:cNvPr>
+          <p:cNvSpPr txBox="1"/>
+          <p:nvPr/>
+        </p:nvSpPr>
+        <p:spPr>
+          <a:xfrm>
+            <a:off x="10531638" y="4062957"/>
+            <a:ext cx="2091216" cy="276999"/>
+          </a:xfrm>
+          <a:prstGeom prst="rect">
+            <a:avLst/>
+          </a:prstGeom>
+          <a:solidFill>
+            <a:schemeClr val="accent1">
+              <a:lumMod val="40000"/>
+              <a:lumOff val="60000"/>
+              <a:alpha val="0"/>
+            </a:schemeClr>
+          </a:solidFill>
+          <a:ln>
+            <a:noFill/>
+          </a:ln>
+        </p:spPr>
+        <p:txBody>
+          <a:bodyPr wrap="square" rtlCol="0">
+            <a:spAutoFit/>
+          </a:bodyPr>
+          <a:lstStyle/>
+          <a:p>
+            <a:r>
+              <a:rPr lang="en-GB" sz="1200" dirty="0">
+                <a:ln w="0"/>
+                <a:solidFill>
+                  <a:schemeClr val="accent1"/>
+                </a:solidFill>
+                <a:effectLst>
+                  <a:outerShdw blurRad="38100" dist="25400" dir="5400000" algn="ctr" rotWithShape="0">
+                    <a:srgbClr val="6E747A">
+                      <a:alpha val="43000"/>
+                    </a:srgbClr>
+                  </a:outerShdw>
+                </a:effectLst>
+              </a:rPr>
+              <a:t>Proprietary</a:t>
+            </a:r>
+            <a:endParaRPr lang="en-GB" sz="1200" dirty="0"/>
+          </a:p>
+        </p:txBody>
+      </p:sp>
     </p:spTree>
     <p:extLst>
       <p:ext uri="{BB962C8B-B14F-4D97-AF65-F5344CB8AC3E}">

--- a/docs/methodology/plots/top_level_view.pptx
+++ b/docs/methodology/plots/top_level_view.pptx
@@ -261,7 +261,7 @@
           <a:p>
             <a:fld id="{7CFC6544-A9AE-4A12-916D-21615692FB1B}" type="datetimeFigureOut">
               <a:rPr lang="en-GB" smtClean="0"/>
-              <a:t>11/10/2021</a:t>
+              <a:t>18/10/2021</a:t>
             </a:fld>
             <a:endParaRPr lang="en-GB"/>
           </a:p>
@@ -461,7 +461,7 @@
           <a:p>
             <a:fld id="{7CFC6544-A9AE-4A12-916D-21615692FB1B}" type="datetimeFigureOut">
               <a:rPr lang="en-GB" smtClean="0"/>
-              <a:t>11/10/2021</a:t>
+              <a:t>18/10/2021</a:t>
             </a:fld>
             <a:endParaRPr lang="en-GB"/>
           </a:p>
@@ -671,7 +671,7 @@
           <a:p>
             <a:fld id="{7CFC6544-A9AE-4A12-916D-21615692FB1B}" type="datetimeFigureOut">
               <a:rPr lang="en-GB" smtClean="0"/>
-              <a:t>11/10/2021</a:t>
+              <a:t>18/10/2021</a:t>
             </a:fld>
             <a:endParaRPr lang="en-GB"/>
           </a:p>
@@ -871,7 +871,7 @@
           <a:p>
             <a:fld id="{7CFC6544-A9AE-4A12-916D-21615692FB1B}" type="datetimeFigureOut">
               <a:rPr lang="en-GB" smtClean="0"/>
-              <a:t>11/10/2021</a:t>
+              <a:t>18/10/2021</a:t>
             </a:fld>
             <a:endParaRPr lang="en-GB"/>
           </a:p>
@@ -1147,7 +1147,7 @@
           <a:p>
             <a:fld id="{7CFC6544-A9AE-4A12-916D-21615692FB1B}" type="datetimeFigureOut">
               <a:rPr lang="en-GB" smtClean="0"/>
-              <a:t>11/10/2021</a:t>
+              <a:t>18/10/2021</a:t>
             </a:fld>
             <a:endParaRPr lang="en-GB"/>
           </a:p>
@@ -1415,7 +1415,7 @@
           <a:p>
             <a:fld id="{7CFC6544-A9AE-4A12-916D-21615692FB1B}" type="datetimeFigureOut">
               <a:rPr lang="en-GB" smtClean="0"/>
-              <a:t>11/10/2021</a:t>
+              <a:t>18/10/2021</a:t>
             </a:fld>
             <a:endParaRPr lang="en-GB"/>
           </a:p>
@@ -1830,7 +1830,7 @@
           <a:p>
             <a:fld id="{7CFC6544-A9AE-4A12-916D-21615692FB1B}" type="datetimeFigureOut">
               <a:rPr lang="en-GB" smtClean="0"/>
-              <a:t>11/10/2021</a:t>
+              <a:t>18/10/2021</a:t>
             </a:fld>
             <a:endParaRPr lang="en-GB"/>
           </a:p>
@@ -1972,7 +1972,7 @@
           <a:p>
             <a:fld id="{7CFC6544-A9AE-4A12-916D-21615692FB1B}" type="datetimeFigureOut">
               <a:rPr lang="en-GB" smtClean="0"/>
-              <a:t>11/10/2021</a:t>
+              <a:t>18/10/2021</a:t>
             </a:fld>
             <a:endParaRPr lang="en-GB"/>
           </a:p>
@@ -2085,7 +2085,7 @@
           <a:p>
             <a:fld id="{7CFC6544-A9AE-4A12-916D-21615692FB1B}" type="datetimeFigureOut">
               <a:rPr lang="en-GB" smtClean="0"/>
-              <a:t>11/10/2021</a:t>
+              <a:t>18/10/2021</a:t>
             </a:fld>
             <a:endParaRPr lang="en-GB"/>
           </a:p>
@@ -2398,7 +2398,7 @@
           <a:p>
             <a:fld id="{7CFC6544-A9AE-4A12-916D-21615692FB1B}" type="datetimeFigureOut">
               <a:rPr lang="en-GB" smtClean="0"/>
-              <a:t>11/10/2021</a:t>
+              <a:t>18/10/2021</a:t>
             </a:fld>
             <a:endParaRPr lang="en-GB"/>
           </a:p>
@@ -2687,7 +2687,7 @@
           <a:p>
             <a:fld id="{7CFC6544-A9AE-4A12-916D-21615692FB1B}" type="datetimeFigureOut">
               <a:rPr lang="en-GB" smtClean="0"/>
-              <a:t>11/10/2021</a:t>
+              <a:t>18/10/2021</a:t>
             </a:fld>
             <a:endParaRPr lang="en-GB"/>
           </a:p>
@@ -2930,7 +2930,7 @@
           <a:p>
             <a:fld id="{7CFC6544-A9AE-4A12-916D-21615692FB1B}" type="datetimeFigureOut">
               <a:rPr lang="en-GB" smtClean="0"/>
-              <a:t>11/10/2021</a:t>
+              <a:t>18/10/2021</a:t>
             </a:fld>
             <a:endParaRPr lang="en-GB"/>
           </a:p>
@@ -5143,7 +5143,7 @@
 <file path=ppt/theme/theme1.xml><?xml version="1.0" encoding="utf-8"?>
 <a:theme xmlns:a="http://schemas.openxmlformats.org/drawingml/2006/main" name="Office Theme">
   <a:themeElements>
-    <a:clrScheme name="Office">
+    <a:clrScheme name="Blue II">
       <a:dk1>
         <a:sysClr val="windowText" lastClr="000000"/>
       </a:dk1>
@@ -5151,34 +5151,34 @@
         <a:sysClr val="window" lastClr="FFFFFF"/>
       </a:lt1>
       <a:dk2>
-        <a:srgbClr val="44546A"/>
+        <a:srgbClr val="335B74"/>
       </a:dk2>
       <a:lt2>
-        <a:srgbClr val="E7E6E6"/>
+        <a:srgbClr val="DFE3E5"/>
       </a:lt2>
       <a:accent1>
-        <a:srgbClr val="4472C4"/>
+        <a:srgbClr val="1CADE4"/>
       </a:accent1>
       <a:accent2>
-        <a:srgbClr val="ED7D31"/>
+        <a:srgbClr val="2683C6"/>
       </a:accent2>
       <a:accent3>
-        <a:srgbClr val="A5A5A5"/>
+        <a:srgbClr val="27CED7"/>
       </a:accent3>
       <a:accent4>
-        <a:srgbClr val="FFC000"/>
+        <a:srgbClr val="42BA97"/>
       </a:accent4>
       <a:accent5>
-        <a:srgbClr val="5B9BD5"/>
+        <a:srgbClr val="3E8853"/>
       </a:accent5>
       <a:accent6>
-        <a:srgbClr val="70AD47"/>
+        <a:srgbClr val="62A39F"/>
       </a:accent6>
       <a:hlink>
-        <a:srgbClr val="0563C1"/>
+        <a:srgbClr val="6EAC1C"/>
       </a:hlink>
       <a:folHlink>
-        <a:srgbClr val="954F72"/>
+        <a:srgbClr val="B26B02"/>
       </a:folHlink>
     </a:clrScheme>
     <a:fontScheme name="Office">
